--- a/Docu/Präsentation_LwAR.pptx
+++ b/Docu/Präsentation_LwAR.pptx
@@ -217,7 +217,7 @@
           <a:p>
             <a:fld id="{F15571A2-EC50-475C-B318-CE84BCE7B47D}" type="datetimeFigureOut">
               <a:rPr lang="de-DE" smtClean="0"/>
-              <a:t>15.01.2017</a:t>
+              <a:t>16.01.2017</a:t>
             </a:fld>
             <a:endParaRPr lang="de-DE"/>
           </a:p>
@@ -3029,7 +3029,7 @@
           <a:p>
             <a:fld id="{5A8D52B4-EE68-48E4-9250-96B075A3601F}" type="datetime1">
               <a:rPr lang="de-DE" smtClean="0"/>
-              <a:t>15.01.2017</a:t>
+              <a:t>16.01.2017</a:t>
             </a:fld>
             <a:endParaRPr lang="de-DE"/>
           </a:p>
@@ -4153,7 +4153,7 @@
           <a:p>
             <a:fld id="{9A1F566C-8DF9-450F-8647-A7073CC22833}" type="datetime1">
               <a:rPr lang="de-DE" smtClean="0"/>
-              <a:t>15.01.2017</a:t>
+              <a:t>16.01.2017</a:t>
             </a:fld>
             <a:endParaRPr lang="de-DE"/>
           </a:p>
@@ -5168,7 +5168,7 @@
           <a:p>
             <a:fld id="{BBB1CD8B-2CD7-438E-B4B4-FE0E9618FC6D}" type="datetime1">
               <a:rPr lang="de-DE" smtClean="0"/>
-              <a:t>15.01.2017</a:t>
+              <a:t>16.01.2017</a:t>
             </a:fld>
             <a:endParaRPr lang="de-DE"/>
           </a:p>
@@ -6342,7 +6342,7 @@
           <a:p>
             <a:fld id="{E39A4E10-FC5A-4094-9729-A4810DD3B038}" type="datetime1">
               <a:rPr lang="de-DE" smtClean="0"/>
-              <a:t>15.01.2017</a:t>
+              <a:t>16.01.2017</a:t>
             </a:fld>
             <a:endParaRPr lang="de-DE"/>
           </a:p>
@@ -7407,7 +7407,7 @@
           <a:p>
             <a:fld id="{80A705BD-1C5F-44D2-AD56-9DB284A93D47}" type="datetime1">
               <a:rPr lang="de-DE" smtClean="0"/>
-              <a:t>15.01.2017</a:t>
+              <a:t>16.01.2017</a:t>
             </a:fld>
             <a:endParaRPr lang="de-DE"/>
           </a:p>
@@ -8057,7 +8057,7 @@
           <a:p>
             <a:fld id="{BD00F8EA-DD15-4097-BEDD-5366F14B294B}" type="datetime1">
               <a:rPr lang="de-DE" smtClean="0"/>
-              <a:t>15.01.2017</a:t>
+              <a:t>16.01.2017</a:t>
             </a:fld>
             <a:endParaRPr lang="de-DE"/>
           </a:p>
@@ -8908,7 +8908,7 @@
           <a:p>
             <a:fld id="{A9BEBE0C-AF58-4BD2-9DE7-888B9EA7B74D}" type="datetime1">
               <a:rPr lang="de-DE" smtClean="0"/>
-              <a:t>15.01.2017</a:t>
+              <a:t>16.01.2017</a:t>
             </a:fld>
             <a:endParaRPr lang="de-DE"/>
           </a:p>
@@ -9087,7 +9087,7 @@
           <a:p>
             <a:fld id="{F092C4FA-BA3B-41B5-B496-A22463A34777}" type="datetime1">
               <a:rPr lang="de-DE" smtClean="0"/>
-              <a:t>15.01.2017</a:t>
+              <a:t>16.01.2017</a:t>
             </a:fld>
             <a:endParaRPr lang="de-DE"/>
           </a:p>
@@ -10089,7 +10089,7 @@
           <a:p>
             <a:fld id="{1CE24504-A0E9-420D-8671-AD174BAF7BE7}" type="datetime1">
               <a:rPr lang="de-DE" smtClean="0"/>
-              <a:t>15.01.2017</a:t>
+              <a:t>16.01.2017</a:t>
             </a:fld>
             <a:endParaRPr lang="de-DE"/>
           </a:p>
@@ -10299,7 +10299,7 @@
           <a:p>
             <a:fld id="{79ECE2FE-5E1F-4466-9368-F5EF11B0EA70}" type="datetime1">
               <a:rPr lang="de-DE" smtClean="0"/>
-              <a:t>15.01.2017</a:t>
+              <a:t>16.01.2017</a:t>
             </a:fld>
             <a:endParaRPr lang="de-DE"/>
           </a:p>
@@ -11370,7 +11370,7 @@
           <a:p>
             <a:fld id="{EA7CA211-A885-45B6-933B-966CBA347BEE}" type="datetime1">
               <a:rPr lang="de-DE" smtClean="0"/>
-              <a:t>15.01.2017</a:t>
+              <a:t>16.01.2017</a:t>
             </a:fld>
             <a:endParaRPr lang="de-DE"/>
           </a:p>
@@ -11646,7 +11646,7 @@
           <a:p>
             <a:fld id="{30D33E8B-E586-4331-9CC3-8863C2A90EE2}" type="datetime1">
               <a:rPr lang="de-DE" smtClean="0"/>
-              <a:t>15.01.2017</a:t>
+              <a:t>16.01.2017</a:t>
             </a:fld>
             <a:endParaRPr lang="de-DE"/>
           </a:p>
@@ -12032,7 +12032,7 @@
           <a:p>
             <a:fld id="{6B88ABCA-AC55-4EA0-B9B7-EF0D82635572}" type="datetime1">
               <a:rPr lang="de-DE" smtClean="0"/>
-              <a:t>15.01.2017</a:t>
+              <a:t>16.01.2017</a:t>
             </a:fld>
             <a:endParaRPr lang="de-DE"/>
           </a:p>
@@ -12154,7 +12154,7 @@
           <a:p>
             <a:fld id="{350B58DB-2170-4F9E-B7D8-D21BB50F64B0}" type="datetime1">
               <a:rPr lang="de-DE" smtClean="0"/>
-              <a:t>15.01.2017</a:t>
+              <a:t>16.01.2017</a:t>
             </a:fld>
             <a:endParaRPr lang="de-DE"/>
           </a:p>
@@ -12253,7 +12253,7 @@
           <a:p>
             <a:fld id="{DCEE0346-DE10-445C-B71D-EBBC9A8AD4B6}" type="datetime1">
               <a:rPr lang="de-DE" smtClean="0"/>
-              <a:t>15.01.2017</a:t>
+              <a:t>16.01.2017</a:t>
             </a:fld>
             <a:endParaRPr lang="de-DE"/>
           </a:p>
@@ -13366,7 +13366,7 @@
           <a:p>
             <a:fld id="{2AA99119-A620-48C0-A759-F2865D977E67}" type="datetime1">
               <a:rPr lang="de-DE" smtClean="0"/>
-              <a:t>15.01.2017</a:t>
+              <a:t>16.01.2017</a:t>
             </a:fld>
             <a:endParaRPr lang="de-DE"/>
           </a:p>
@@ -14503,7 +14503,7 @@
           <a:p>
             <a:fld id="{DB54829E-4F21-40FD-9D0A-45B9DECFAF7C}" type="datetime1">
               <a:rPr lang="de-DE" smtClean="0"/>
-              <a:t>15.01.2017</a:t>
+              <a:t>16.01.2017</a:t>
             </a:fld>
             <a:endParaRPr lang="de-DE"/>
           </a:p>
@@ -15535,7 +15535,7 @@
           <a:p>
             <a:fld id="{A380E4E1-E0F5-4E75-A19F-ED7CC46736CD}" type="datetime1">
               <a:rPr lang="de-DE" smtClean="0"/>
-              <a:t>15.01.2017</a:t>
+              <a:t>16.01.2017</a:t>
             </a:fld>
             <a:endParaRPr lang="de-DE" dirty="0"/>
           </a:p>
@@ -16155,7 +16155,7 @@
           <a:p>
             <a:r>
               <a:rPr lang="de-DE" dirty="0"/>
-              <a:t>Wintersemester 2017</a:t>
+              <a:t>Wintersemester 2016</a:t>
             </a:r>
           </a:p>
         </p:txBody>
@@ -16311,7 +16311,7 @@
           <a:p>
             <a:fld id="{49328BDC-C596-4E55-801E-2FAE970A398D}" type="datetime1">
               <a:rPr lang="de-DE" smtClean="0"/>
-              <a:t>15.01.2017</a:t>
+              <a:t>16.01.2017</a:t>
             </a:fld>
             <a:endParaRPr lang="de-DE"/>
           </a:p>
@@ -16436,7 +16436,7 @@
           <a:p>
             <a:fld id="{49328BDC-C596-4E55-801E-2FAE970A398D}" type="datetime1">
               <a:rPr lang="de-DE" smtClean="0"/>
-              <a:t>15.01.2017</a:t>
+              <a:t>16.01.2017</a:t>
             </a:fld>
             <a:endParaRPr lang="de-DE"/>
           </a:p>
@@ -16597,7 +16597,7 @@
           <a:p>
             <a:fld id="{49328BDC-C596-4E55-801E-2FAE970A398D}" type="datetime1">
               <a:rPr lang="de-DE" smtClean="0"/>
-              <a:t>15.01.2017</a:t>
+              <a:t>16.01.2017</a:t>
             </a:fld>
             <a:endParaRPr lang="de-DE"/>
           </a:p>
@@ -16758,7 +16758,7 @@
           <a:p>
             <a:fld id="{49328BDC-C596-4E55-801E-2FAE970A398D}" type="datetime1">
               <a:rPr lang="de-DE" smtClean="0"/>
-              <a:t>15.01.2017</a:t>
+              <a:t>16.01.2017</a:t>
             </a:fld>
             <a:endParaRPr lang="de-DE"/>
           </a:p>
@@ -16919,7 +16919,7 @@
           <a:p>
             <a:fld id="{49328BDC-C596-4E55-801E-2FAE970A398D}" type="datetime1">
               <a:rPr lang="de-DE" smtClean="0"/>
-              <a:t>15.01.2017</a:t>
+              <a:t>16.01.2017</a:t>
             </a:fld>
             <a:endParaRPr lang="de-DE"/>
           </a:p>
@@ -17080,7 +17080,7 @@
           <a:p>
             <a:fld id="{49328BDC-C596-4E55-801E-2FAE970A398D}" type="datetime1">
               <a:rPr lang="de-DE" smtClean="0"/>
-              <a:t>15.01.2017</a:t>
+              <a:t>16.01.2017</a:t>
             </a:fld>
             <a:endParaRPr lang="de-DE"/>
           </a:p>
@@ -17266,7 +17266,7 @@
           <a:p>
             <a:fld id="{4E57EC31-316A-4592-97B1-60A87D77E01F}" type="datetime1">
               <a:rPr lang="de-DE" smtClean="0"/>
-              <a:t>15.01.2017</a:t>
+              <a:t>16.01.2017</a:t>
             </a:fld>
             <a:endParaRPr lang="de-DE"/>
           </a:p>
@@ -17387,7 +17387,7 @@
           <a:p>
             <a:fld id="{F6A73F07-7947-4C79-8D48-EEFD7183EDF6}" type="datetime1">
               <a:rPr lang="de-DE" smtClean="0"/>
-              <a:t>15.01.2017</a:t>
+              <a:t>16.01.2017</a:t>
             </a:fld>
             <a:endParaRPr lang="de-DE"/>
           </a:p>
@@ -17516,7 +17516,7 @@
           <a:p>
             <a:fld id="{B49D89A0-5304-4B41-917C-2D34B9C54785}" type="datetime1">
               <a:rPr lang="de-DE" smtClean="0"/>
-              <a:t>15.01.2017</a:t>
+              <a:t>16.01.2017</a:t>
             </a:fld>
             <a:endParaRPr lang="de-DE"/>
           </a:p>
@@ -17738,7 +17738,7 @@
           <a:p>
             <a:fld id="{B933DA4C-E278-4424-B240-06D8B28F3414}" type="datetime1">
               <a:rPr lang="de-DE" smtClean="0"/>
-              <a:t>15.01.2017</a:t>
+              <a:t>16.01.2017</a:t>
             </a:fld>
             <a:endParaRPr lang="de-DE"/>
           </a:p>
@@ -17850,7 +17850,7 @@
           <a:p>
             <a:r>
               <a:rPr lang="de-DE" dirty="0"/>
-              <a:t>Ausgangslage</a:t>
+              <a:t>Aufgabenbeschreibung</a:t>
             </a:r>
           </a:p>
         </p:txBody>
@@ -17877,39 +17877,39 @@
           <a:p>
             <a:r>
               <a:rPr lang="de-DE" dirty="0"/>
-              <a:t>Darstellung von 2D und 3D Grafiken</a:t>
-            </a:r>
-          </a:p>
-          <a:p>
+              <a:t>Einfaches und kompaktes Framework für </a:t>
+            </a:r>
+            <a:r>
+              <a:rPr lang="de-DE" dirty="0" err="1"/>
+              <a:t>Augmented</a:t>
+            </a:r>
             <a:r>
               <a:rPr lang="de-DE" dirty="0"/>
-              <a:t>Desktop und mobile Anwendungen</a:t>
+              <a:t> Reality-Anwendungen</a:t>
             </a:r>
           </a:p>
           <a:p>
             <a:r>
               <a:rPr lang="de-DE" dirty="0"/>
-              <a:t>i. d. R. Grafikkarten unabhängig</a:t>
-            </a:r>
-          </a:p>
-          <a:p>
+              <a:t>OpenGL als </a:t>
+            </a:r>
+            <a:r>
+              <a:rPr lang="de-DE" dirty="0" err="1"/>
+              <a:t>Render</a:t>
+            </a:r>
             <a:r>
               <a:rPr lang="de-DE" dirty="0"/>
-              <a:t>Bekannteste Schnittstellen:</a:t>
-            </a:r>
-          </a:p>
-          <a:p>
-            <a:pPr lvl="1"/>
+              <a:t>-Backend (ursprünglich Vulkan)</a:t>
+            </a:r>
+          </a:p>
+          <a:p>
+            <a:r>
+              <a:rPr lang="de-DE" dirty="0" err="1"/>
+              <a:t>OpenCV</a:t>
+            </a:r>
             <a:r>
               <a:rPr lang="de-DE" dirty="0"/>
-              <a:t>DirectX </a:t>
-            </a:r>
-          </a:p>
-          <a:p>
-            <a:pPr lvl="1"/>
-            <a:r>
-              <a:rPr lang="de-DE" dirty="0"/>
-              <a:t>OpenGL</a:t>
+              <a:t> für Computer Vision</a:t>
             </a:r>
           </a:p>
         </p:txBody>
@@ -17931,7 +17931,7 @@
           <a:p>
             <a:fld id="{49328BDC-C596-4E55-801E-2FAE970A398D}" type="datetime1">
               <a:rPr lang="de-DE" smtClean="0"/>
-              <a:t>15.01.2017</a:t>
+              <a:t>16.01.2017</a:t>
             </a:fld>
             <a:endParaRPr lang="de-DE"/>
           </a:p>
@@ -17982,46 +17982,6 @@
           </a:p>
         </p:txBody>
       </p:sp>
-      <p:pic>
-        <p:nvPicPr>
-          <p:cNvPr id="8" name="Grafik 7"/>
-          <p:cNvPicPr>
-            <a:picLocks noChangeAspect="1"/>
-          </p:cNvPicPr>
-          <p:nvPr/>
-        </p:nvPicPr>
-        <p:blipFill>
-          <a:blip r:embed="rId3" cstate="print">
-            <a:extLst>
-              <a:ext uri="{28A0092B-C50C-407E-A947-70E740481C1C}">
-                <a14:useLocalDpi xmlns:a14="http://schemas.microsoft.com/office/drawing/2010/main" val="0"/>
-              </a:ext>
-            </a:extLst>
-          </a:blip>
-          <a:stretch>
-            <a:fillRect/>
-          </a:stretch>
-        </p:blipFill>
-        <p:spPr>
-          <a:xfrm>
-            <a:off x="5770952" y="2524488"/>
-            <a:ext cx="5822607" cy="3275217"/>
-          </a:xfrm>
-          <a:prstGeom prst="rect">
-            <a:avLst/>
-          </a:prstGeom>
-          <a:ln>
-            <a:noFill/>
-          </a:ln>
-          <a:effectLst>
-            <a:outerShdw blurRad="190500" algn="tl" rotWithShape="0">
-              <a:srgbClr val="000000">
-                <a:alpha val="70000"/>
-              </a:srgbClr>
-            </a:outerShdw>
-          </a:effectLst>
-        </p:spPr>
-      </p:pic>
       <p:sp>
         <p:nvSpPr>
           <p:cNvPr id="9" name="Rechteck 8"/>
@@ -18053,7 +18013,7 @@
                   </a:schemeClr>
                 </a:solidFill>
               </a:rPr>
-              <a:t>Bioshock</a:t>
+              <a:t>Augmented</a:t>
             </a:r>
             <a:r>
               <a:rPr lang="de-DE" sz="1200" dirty="0">
@@ -18064,11 +18024,80 @@
                   </a:schemeClr>
                 </a:solidFill>
               </a:rPr>
-              <a:t> Infinite, Quelle: http://www.bioshockinfinite.com/media#mscreenshots</a:t>
-            </a:r>
-          </a:p>
-        </p:txBody>
-      </p:sp>
+              <a:t> Reality Beispiel, Quelle: </a:t>
+            </a:r>
+            <a:r>
+              <a:rPr lang="de-DE" sz="1200" dirty="0">
+                <a:solidFill>
+                  <a:schemeClr val="tx1">
+                    <a:lumMod val="75000"/>
+                    <a:lumOff val="25000"/>
+                  </a:schemeClr>
+                </a:solidFill>
+              </a:rPr>
+              <a:t>http://media.bemyapp.com/ar-terminator/</a:t>
+            </a:r>
+            <a:endParaRPr lang="de-DE" sz="1200" dirty="0">
+              <a:solidFill>
+                <a:schemeClr val="tx1">
+                  <a:lumMod val="75000"/>
+                  <a:lumOff val="25000"/>
+                </a:schemeClr>
+              </a:solidFill>
+            </a:endParaRPr>
+          </a:p>
+        </p:txBody>
+      </p:sp>
+      <p:pic>
+        <p:nvPicPr>
+          <p:cNvPr id="2050" name="Picture 2" descr="An example of augmented reality (AR) based mobile game"/>
+          <p:cNvPicPr>
+            <a:picLocks noChangeAspect="1" noChangeArrowheads="1"/>
+          </p:cNvPicPr>
+          <p:nvPr/>
+        </p:nvPicPr>
+        <p:blipFill>
+          <a:blip r:embed="rId3">
+            <a:extLst>
+              <a:ext uri="{28A0092B-C50C-407E-A947-70E740481C1C}">
+                <a14:useLocalDpi xmlns:a14="http://schemas.microsoft.com/office/drawing/2010/main" val="0"/>
+              </a:ext>
+            </a:extLst>
+          </a:blip>
+          <a:srcRect/>
+          <a:stretch>
+            <a:fillRect/>
+          </a:stretch>
+        </p:blipFill>
+        <p:spPr bwMode="auto">
+          <a:xfrm>
+            <a:off x="5913120" y="2482943"/>
+            <a:ext cx="5791084" cy="3260381"/>
+          </a:xfrm>
+          <a:prstGeom prst="rect">
+            <a:avLst/>
+          </a:prstGeom>
+          <a:ln>
+            <a:noFill/>
+          </a:ln>
+          <a:effectLst>
+            <a:outerShdw blurRad="292100" dist="139700" dir="2700000" algn="tl" rotWithShape="0">
+              <a:srgbClr val="333333">
+                <a:alpha val="65000"/>
+              </a:srgbClr>
+            </a:outerShdw>
+          </a:effectLst>
+          <a:extLst>
+            <a:ext uri="{909E8E84-426E-40DD-AFC4-6F175D3DCCD1}">
+              <a14:hiddenFill xmlns:a14="http://schemas.microsoft.com/office/drawing/2010/main">
+                <a:solidFill>
+                  <a:srgbClr val="FFFFFF"/>
+                </a:solidFill>
+              </a14:hiddenFill>
+            </a:ext>
+          </a:extLst>
+        </p:spPr>
+      </p:pic>
     </p:spTree>
     <p:extLst>
       <p:ext uri="{BB962C8B-B14F-4D97-AF65-F5344CB8AC3E}">
@@ -18261,7 +18290,7 @@
           <a:p>
             <a:fld id="{49328BDC-C596-4E55-801E-2FAE970A398D}" type="datetime1">
               <a:rPr lang="de-DE" smtClean="0"/>
-              <a:t>15.01.2017</a:t>
+              <a:t>16.01.2017</a:t>
             </a:fld>
             <a:endParaRPr lang="de-DE"/>
           </a:p>
@@ -18520,7 +18549,7 @@
           <a:p>
             <a:fld id="{49328BDC-C596-4E55-801E-2FAE970A398D}" type="datetime1">
               <a:rPr lang="de-DE" smtClean="0"/>
-              <a:t>15.01.2017</a:t>
+              <a:t>16.01.2017</a:t>
             </a:fld>
             <a:endParaRPr lang="de-DE"/>
           </a:p>
@@ -18803,7 +18832,7 @@
           <a:p>
             <a:fld id="{49328BDC-C596-4E55-801E-2FAE970A398D}" type="datetime1">
               <a:rPr lang="de-DE" smtClean="0"/>
-              <a:t>15.01.2017</a:t>
+              <a:t>16.01.2017</a:t>
             </a:fld>
             <a:endParaRPr lang="de-DE"/>
           </a:p>
@@ -19064,7 +19093,7 @@
           <a:p>
             <a:fld id="{49328BDC-C596-4E55-801E-2FAE970A398D}" type="datetime1">
               <a:rPr lang="de-DE" smtClean="0"/>
-              <a:t>15.01.2017</a:t>
+              <a:t>16.01.2017</a:t>
             </a:fld>
             <a:endParaRPr lang="de-DE"/>
           </a:p>
@@ -19270,7 +19299,7 @@
           <a:p>
             <a:fld id="{49328BDC-C596-4E55-801E-2FAE970A398D}" type="datetime1">
               <a:rPr lang="de-DE" smtClean="0"/>
-              <a:t>15.01.2017</a:t>
+              <a:t>16.01.2017</a:t>
             </a:fld>
             <a:endParaRPr lang="de-DE"/>
           </a:p>
@@ -20185,40 +20214,43 @@
           <a:lstStyle/>
           <a:p>
             <a:r>
+              <a:rPr lang="de-DE" dirty="0"/>
+              <a:t>OpenGL: R</a:t>
+            </a:r>
+            <a:r>
+              <a:rPr lang="de-DE" dirty="0"/>
+              <a:t>echtshändiges Koordinatensystem, (0,0,0) im Zentrum</a:t>
+            </a:r>
+          </a:p>
+          <a:p>
+            <a:r>
               <a:rPr lang="de-DE" dirty="0" err="1"/>
-              <a:t>Lwar</a:t>
+              <a:t>OpenCV</a:t>
             </a:r>
             <a:r>
               <a:rPr lang="de-DE" dirty="0"/>
-              <a:t>::</a:t>
+              <a:t> Ursprung links oben, positive Y-Richtung nach unten / X-Richtung nach rechts</a:t>
+            </a:r>
+          </a:p>
+          <a:p>
+            <a:r>
+              <a:rPr lang="de-DE" dirty="0"/>
+              <a:t>Ränder: (Width / </a:t>
             </a:r>
             <a:r>
               <a:rPr lang="de-DE" dirty="0" err="1"/>
-              <a:t>Window</a:t>
-            </a:r>
-            <a:r>
-              <a:rPr lang="de-DE"/>
-              <a:t> Objekt wird </a:t>
+              <a:t>Aspect</a:t>
             </a:r>
             <a:r>
               <a:rPr lang="de-DE" dirty="0"/>
-              <a:t>in der Applikation erstellt</a:t>
-            </a:r>
+              <a:t>, 1, 0)</a:t>
+            </a:r>
+            <a:endParaRPr lang="de-DE" dirty="0"/>
           </a:p>
           <a:p>
             <a:r>
               <a:rPr lang="de-DE" dirty="0"/>
-              <a:t>Nach allen Vorbereitungen wird der Main-Loop via Start gestartet</a:t>
-            </a:r>
-          </a:p>
-          <a:p>
-            <a:r>
-              <a:rPr lang="de-DE" dirty="0" err="1"/>
-              <a:t>OnUpdate</a:t>
-            </a:r>
-            <a:r>
-              <a:rPr lang="de-DE" dirty="0"/>
-              <a:t> Callback für Steuerung des Programms, Überprüfung von Tasteneingaben usw.</a:t>
+              <a:t>Kamera befindet sich bei (0,0,3)</a:t>
             </a:r>
           </a:p>
           <a:p>
@@ -20251,7 +20283,7 @@
           <a:p>
             <a:fld id="{49328BDC-C596-4E55-801E-2FAE970A398D}" type="datetime1">
               <a:rPr lang="de-DE" smtClean="0"/>
-              <a:t>15.01.2017</a:t>
+              <a:t>16.01.2017</a:t>
             </a:fld>
             <a:endParaRPr lang="de-DE"/>
           </a:p>
@@ -20302,786 +20334,168 @@
           </a:p>
         </p:txBody>
       </p:sp>
-      <p:grpSp>
-        <p:nvGrpSpPr>
-          <p:cNvPr id="70" name="Gruppieren 69"/>
-          <p:cNvGrpSpPr/>
+      <p:pic>
+        <p:nvPicPr>
+          <p:cNvPr id="1026" name="Picture 2" descr="03fig01.jpg (500×369)"/>
+          <p:cNvPicPr>
+            <a:picLocks noChangeAspect="1" noChangeArrowheads="1"/>
+          </p:cNvPicPr>
           <p:nvPr/>
-        </p:nvGrpSpPr>
-        <p:grpSpPr>
+        </p:nvPicPr>
+        <p:blipFill>
+          <a:blip r:embed="rId3">
+            <a:extLst>
+              <a:ext uri="{28A0092B-C50C-407E-A947-70E740481C1C}">
+                <a14:useLocalDpi xmlns:a14="http://schemas.microsoft.com/office/drawing/2010/main" val="0"/>
+              </a:ext>
+            </a:extLst>
+          </a:blip>
+          <a:srcRect/>
+          <a:stretch>
+            <a:fillRect/>
+          </a:stretch>
+        </p:blipFill>
+        <p:spPr bwMode="auto">
           <a:xfrm>
-            <a:off x="5691669" y="2358571"/>
-            <a:ext cx="5217015" cy="3920931"/>
-            <a:chOff x="6354143" y="2358571"/>
-            <a:chExt cx="5217015" cy="3920931"/>
+            <a:off x="8447006" y="3208685"/>
+            <a:ext cx="2591782" cy="1912735"/>
           </a:xfrm>
-        </p:grpSpPr>
-        <p:sp>
-          <p:nvSpPr>
-            <p:cNvPr id="47" name="Rechteck 46"/>
-            <p:cNvSpPr/>
-            <p:nvPr/>
-          </p:nvSpPr>
-          <p:spPr>
-            <a:xfrm>
-              <a:off x="8350894" y="3644912"/>
-              <a:ext cx="2286000" cy="2634590"/>
-            </a:xfrm>
-            <a:prstGeom prst="rect">
-              <a:avLst/>
-            </a:prstGeom>
-          </p:spPr>
-          <p:style>
-            <a:lnRef idx="1">
-              <a:schemeClr val="accent4"/>
-            </a:lnRef>
-            <a:fillRef idx="2">
-              <a:schemeClr val="accent4"/>
-            </a:fillRef>
-            <a:effectRef idx="1">
-              <a:schemeClr val="accent4"/>
-            </a:effectRef>
-            <a:fontRef idx="minor">
-              <a:schemeClr val="dk1"/>
-            </a:fontRef>
-          </p:style>
-          <p:txBody>
-            <a:bodyPr rtlCol="0" anchor="ctr"/>
-            <a:lstStyle/>
-            <a:p>
-              <a:pPr algn="ctr"/>
-              <a:endParaRPr lang="de-DE" dirty="0"/>
-            </a:p>
-          </p:txBody>
-        </p:sp>
-        <p:sp>
-          <p:nvSpPr>
-            <p:cNvPr id="11" name="Rechteck 10"/>
-            <p:cNvSpPr/>
-            <p:nvPr/>
-          </p:nvSpPr>
-          <p:spPr>
-            <a:xfrm>
-              <a:off x="6354143" y="2926663"/>
-              <a:ext cx="1704223" cy="526897"/>
-            </a:xfrm>
-            <a:prstGeom prst="rect">
-              <a:avLst/>
-            </a:prstGeom>
-          </p:spPr>
-          <p:style>
-            <a:lnRef idx="2">
-              <a:schemeClr val="accent3">
-                <a:shade val="50000"/>
-              </a:schemeClr>
-            </a:lnRef>
-            <a:fillRef idx="1">
-              <a:schemeClr val="accent3"/>
-            </a:fillRef>
-            <a:effectRef idx="0">
-              <a:schemeClr val="accent3"/>
-            </a:effectRef>
-            <a:fontRef idx="minor">
-              <a:schemeClr val="lt1"/>
-            </a:fontRef>
-          </p:style>
-          <p:txBody>
-            <a:bodyPr rtlCol="0" anchor="ctr"/>
-            <a:lstStyle/>
-            <a:p>
-              <a:pPr algn="ctr"/>
-              <a:r>
-                <a:rPr lang="de-DE" sz="1600" dirty="0"/>
-                <a:t>Main</a:t>
-              </a:r>
-            </a:p>
-          </p:txBody>
-        </p:sp>
-        <p:sp>
-          <p:nvSpPr>
-            <p:cNvPr id="12" name="Rechteck 11"/>
-            <p:cNvSpPr/>
-            <p:nvPr/>
-          </p:nvSpPr>
-          <p:spPr>
-            <a:xfrm>
-              <a:off x="8542145" y="2926663"/>
-              <a:ext cx="1704223" cy="526897"/>
-            </a:xfrm>
-            <a:prstGeom prst="rect">
-              <a:avLst/>
-            </a:prstGeom>
-          </p:spPr>
-          <p:style>
-            <a:lnRef idx="2">
-              <a:schemeClr val="accent4">
-                <a:shade val="50000"/>
-              </a:schemeClr>
-            </a:lnRef>
-            <a:fillRef idx="1">
-              <a:schemeClr val="accent4"/>
-            </a:fillRef>
-            <a:effectRef idx="0">
-              <a:schemeClr val="accent4"/>
-            </a:effectRef>
-            <a:fontRef idx="minor">
-              <a:schemeClr val="lt1"/>
-            </a:fontRef>
-          </p:style>
-          <p:txBody>
-            <a:bodyPr rtlCol="0" anchor="ctr"/>
-            <a:lstStyle/>
-            <a:p>
-              <a:pPr algn="ctr"/>
-              <a:r>
-                <a:rPr lang="de-DE" sz="1600" dirty="0"/>
-                <a:t>Start</a:t>
-              </a:r>
-            </a:p>
-          </p:txBody>
-        </p:sp>
-        <p:cxnSp>
-          <p:nvCxnSpPr>
-            <p:cNvPr id="14" name="Gerade Verbindung mit Pfeil 13"/>
-            <p:cNvCxnSpPr>
-              <a:cxnSpLocks/>
-              <a:stCxn id="11" idx="3"/>
-              <a:endCxn id="12" idx="1"/>
-            </p:cNvCxnSpPr>
-            <p:nvPr/>
-          </p:nvCxnSpPr>
-          <p:spPr>
-            <a:xfrm>
-              <a:off x="8058366" y="3190111"/>
-              <a:ext cx="483779" cy="0"/>
-            </a:xfrm>
-            <a:prstGeom prst="straightConnector1">
-              <a:avLst/>
-            </a:prstGeom>
-            <a:ln>
-              <a:tailEnd type="triangle"/>
-            </a:ln>
-          </p:spPr>
-          <p:style>
-            <a:lnRef idx="2">
-              <a:schemeClr val="accent4">
-                <a:shade val="50000"/>
-              </a:schemeClr>
-            </a:lnRef>
-            <a:fillRef idx="1">
-              <a:schemeClr val="accent4"/>
-            </a:fillRef>
-            <a:effectRef idx="0">
-              <a:schemeClr val="accent4"/>
-            </a:effectRef>
-            <a:fontRef idx="minor">
-              <a:schemeClr val="lt1"/>
-            </a:fontRef>
-          </p:style>
-        </p:cxnSp>
-        <p:sp>
-          <p:nvSpPr>
-            <p:cNvPr id="15" name="Rechteck 14"/>
-            <p:cNvSpPr/>
-            <p:nvPr/>
-          </p:nvSpPr>
-          <p:spPr>
-            <a:xfrm>
-              <a:off x="8542144" y="3833959"/>
-              <a:ext cx="1704223" cy="526897"/>
-            </a:xfrm>
-            <a:prstGeom prst="rect">
-              <a:avLst/>
-            </a:prstGeom>
-          </p:spPr>
-          <p:style>
-            <a:lnRef idx="2">
-              <a:schemeClr val="accent4">
-                <a:shade val="50000"/>
-              </a:schemeClr>
-            </a:lnRef>
-            <a:fillRef idx="1">
-              <a:schemeClr val="accent4"/>
-            </a:fillRef>
-            <a:effectRef idx="0">
-              <a:schemeClr val="accent4"/>
-            </a:effectRef>
-            <a:fontRef idx="minor">
-              <a:schemeClr val="lt1"/>
-            </a:fontRef>
-          </p:style>
-          <p:txBody>
-            <a:bodyPr rtlCol="0" anchor="ctr"/>
-            <a:lstStyle/>
-            <a:p>
-              <a:pPr algn="ctr"/>
-              <a:r>
-                <a:rPr lang="de-DE" sz="1600" dirty="0" err="1"/>
-                <a:t>OnUpdate</a:t>
-              </a:r>
-              <a:r>
-                <a:rPr lang="de-DE" sz="1600" dirty="0"/>
-                <a:t> Callback</a:t>
-              </a:r>
-            </a:p>
-          </p:txBody>
-        </p:sp>
-        <p:sp>
-          <p:nvSpPr>
-            <p:cNvPr id="16" name="Rechteck 15"/>
-            <p:cNvSpPr/>
-            <p:nvPr/>
-          </p:nvSpPr>
-          <p:spPr>
-            <a:xfrm>
-              <a:off x="8542144" y="4731455"/>
-              <a:ext cx="1704223" cy="526897"/>
-            </a:xfrm>
-            <a:prstGeom prst="rect">
-              <a:avLst/>
-            </a:prstGeom>
-          </p:spPr>
-          <p:style>
-            <a:lnRef idx="2">
-              <a:schemeClr val="accent4">
-                <a:shade val="50000"/>
-              </a:schemeClr>
-            </a:lnRef>
-            <a:fillRef idx="1">
-              <a:schemeClr val="accent4"/>
-            </a:fillRef>
-            <a:effectRef idx="0">
-              <a:schemeClr val="accent4"/>
-            </a:effectRef>
-            <a:fontRef idx="minor">
-              <a:schemeClr val="lt1"/>
-            </a:fontRef>
-          </p:style>
-          <p:txBody>
-            <a:bodyPr rtlCol="0" anchor="ctr"/>
-            <a:lstStyle/>
-            <a:p>
-              <a:pPr algn="ctr"/>
-              <a:r>
-                <a:rPr lang="de-DE" sz="1600" dirty="0" err="1"/>
-                <a:t>Render</a:t>
-              </a:r>
-              <a:r>
-                <a:rPr lang="de-DE" sz="1600" dirty="0"/>
-                <a:t> Hintergrund</a:t>
-              </a:r>
-            </a:p>
-          </p:txBody>
-        </p:sp>
-        <p:sp>
-          <p:nvSpPr>
-            <p:cNvPr id="17" name="Rechteck 16"/>
-            <p:cNvSpPr/>
-            <p:nvPr/>
-          </p:nvSpPr>
-          <p:spPr>
-            <a:xfrm>
-              <a:off x="8542144" y="5586208"/>
-              <a:ext cx="1704223" cy="526897"/>
-            </a:xfrm>
-            <a:prstGeom prst="rect">
-              <a:avLst/>
-            </a:prstGeom>
-          </p:spPr>
-          <p:style>
-            <a:lnRef idx="2">
-              <a:schemeClr val="accent4">
-                <a:shade val="50000"/>
-              </a:schemeClr>
-            </a:lnRef>
-            <a:fillRef idx="1">
-              <a:schemeClr val="accent4"/>
-            </a:fillRef>
-            <a:effectRef idx="0">
-              <a:schemeClr val="accent4"/>
-            </a:effectRef>
-            <a:fontRef idx="minor">
-              <a:schemeClr val="lt1"/>
-            </a:fontRef>
-          </p:style>
-          <p:txBody>
-            <a:bodyPr rtlCol="0" anchor="ctr"/>
-            <a:lstStyle/>
-            <a:p>
-              <a:pPr algn="ctr"/>
-              <a:r>
-                <a:rPr lang="de-DE" sz="1600" dirty="0" err="1"/>
-                <a:t>Render</a:t>
-              </a:r>
-              <a:r>
-                <a:rPr lang="de-DE" sz="1600" dirty="0"/>
-                <a:t> Text + Objekte</a:t>
-              </a:r>
-            </a:p>
-          </p:txBody>
-        </p:sp>
-        <p:sp>
-          <p:nvSpPr>
-            <p:cNvPr id="19" name="Rechteck 18"/>
-            <p:cNvSpPr/>
-            <p:nvPr/>
-          </p:nvSpPr>
-          <p:spPr>
-            <a:xfrm>
-              <a:off x="6354143" y="5586208"/>
-              <a:ext cx="1704223" cy="526897"/>
-            </a:xfrm>
-            <a:prstGeom prst="rect">
-              <a:avLst/>
-            </a:prstGeom>
-          </p:spPr>
-          <p:style>
-            <a:lnRef idx="2">
-              <a:schemeClr val="accent3">
-                <a:shade val="50000"/>
-              </a:schemeClr>
-            </a:lnRef>
-            <a:fillRef idx="1">
-              <a:schemeClr val="accent3"/>
-            </a:fillRef>
-            <a:effectRef idx="0">
-              <a:schemeClr val="accent3"/>
-            </a:effectRef>
-            <a:fontRef idx="minor">
-              <a:schemeClr val="lt1"/>
-            </a:fontRef>
-          </p:style>
-          <p:txBody>
-            <a:bodyPr rtlCol="0" anchor="ctr"/>
-            <a:lstStyle/>
-            <a:p>
-              <a:pPr algn="ctr"/>
-              <a:r>
-                <a:rPr lang="de-DE" sz="1600" dirty="0"/>
-                <a:t>Ende</a:t>
-              </a:r>
-            </a:p>
-          </p:txBody>
-        </p:sp>
-        <p:cxnSp>
-          <p:nvCxnSpPr>
-            <p:cNvPr id="24" name="Gerade Verbindung mit Pfeil 23"/>
-            <p:cNvCxnSpPr>
-              <a:stCxn id="12" idx="2"/>
-              <a:endCxn id="15" idx="0"/>
-            </p:cNvCxnSpPr>
-            <p:nvPr/>
-          </p:nvCxnSpPr>
-          <p:spPr>
-            <a:xfrm flipH="1">
-              <a:off x="9394255" y="3453560"/>
-              <a:ext cx="1" cy="380399"/>
-            </a:xfrm>
-            <a:prstGeom prst="straightConnector1">
-              <a:avLst/>
-            </a:prstGeom>
-            <a:ln>
-              <a:tailEnd type="triangle"/>
-            </a:ln>
-          </p:spPr>
-          <p:style>
-            <a:lnRef idx="2">
-              <a:schemeClr val="accent4">
-                <a:shade val="50000"/>
-              </a:schemeClr>
-            </a:lnRef>
-            <a:fillRef idx="1">
-              <a:schemeClr val="accent4"/>
-            </a:fillRef>
-            <a:effectRef idx="0">
-              <a:schemeClr val="accent4"/>
-            </a:effectRef>
-            <a:fontRef idx="minor">
-              <a:schemeClr val="lt1"/>
-            </a:fontRef>
-          </p:style>
-        </p:cxnSp>
-        <p:cxnSp>
-          <p:nvCxnSpPr>
-            <p:cNvPr id="27" name="Gerade Verbindung mit Pfeil 26"/>
-            <p:cNvCxnSpPr>
-              <a:stCxn id="15" idx="2"/>
-              <a:endCxn id="16" idx="0"/>
-            </p:cNvCxnSpPr>
-            <p:nvPr/>
-          </p:nvCxnSpPr>
-          <p:spPr>
-            <a:xfrm>
-              <a:off x="9394255" y="4360857"/>
-              <a:ext cx="0" cy="370598"/>
-            </a:xfrm>
-            <a:prstGeom prst="straightConnector1">
-              <a:avLst/>
-            </a:prstGeom>
-            <a:ln>
-              <a:tailEnd type="triangle"/>
-            </a:ln>
-          </p:spPr>
-          <p:style>
-            <a:lnRef idx="2">
-              <a:schemeClr val="accent4">
-                <a:shade val="50000"/>
-              </a:schemeClr>
-            </a:lnRef>
-            <a:fillRef idx="1">
-              <a:schemeClr val="accent4"/>
-            </a:fillRef>
-            <a:effectRef idx="0">
-              <a:schemeClr val="accent4"/>
-            </a:effectRef>
-            <a:fontRef idx="minor">
-              <a:schemeClr val="lt1"/>
-            </a:fontRef>
-          </p:style>
-        </p:cxnSp>
-        <p:cxnSp>
-          <p:nvCxnSpPr>
-            <p:cNvPr id="29" name="Gerade Verbindung mit Pfeil 28"/>
-            <p:cNvCxnSpPr>
-              <a:stCxn id="16" idx="2"/>
-              <a:endCxn id="17" idx="0"/>
-            </p:cNvCxnSpPr>
-            <p:nvPr/>
-          </p:nvCxnSpPr>
-          <p:spPr>
-            <a:xfrm>
-              <a:off x="9394255" y="5258352"/>
-              <a:ext cx="0" cy="327855"/>
-            </a:xfrm>
-            <a:prstGeom prst="straightConnector1">
-              <a:avLst/>
-            </a:prstGeom>
-            <a:ln>
-              <a:tailEnd type="triangle"/>
-            </a:ln>
-          </p:spPr>
-          <p:style>
-            <a:lnRef idx="2">
-              <a:schemeClr val="accent4">
-                <a:shade val="50000"/>
-              </a:schemeClr>
-            </a:lnRef>
-            <a:fillRef idx="1">
-              <a:schemeClr val="accent4"/>
-            </a:fillRef>
-            <a:effectRef idx="0">
-              <a:schemeClr val="accent4"/>
-            </a:effectRef>
-            <a:fontRef idx="minor">
-              <a:schemeClr val="lt1"/>
-            </a:fontRef>
-          </p:style>
-        </p:cxnSp>
-        <p:cxnSp>
-          <p:nvCxnSpPr>
-            <p:cNvPr id="31" name="Gerade Verbindung mit Pfeil 30"/>
-            <p:cNvCxnSpPr>
-              <a:stCxn id="17" idx="1"/>
-              <a:endCxn id="19" idx="3"/>
-            </p:cNvCxnSpPr>
-            <p:nvPr/>
-          </p:nvCxnSpPr>
-          <p:spPr>
-            <a:xfrm flipH="1">
-              <a:off x="8058366" y="5849657"/>
-              <a:ext cx="483778" cy="0"/>
-            </a:xfrm>
-            <a:prstGeom prst="straightConnector1">
-              <a:avLst/>
-            </a:prstGeom>
-            <a:ln>
-              <a:tailEnd type="triangle"/>
-            </a:ln>
-          </p:spPr>
-          <p:style>
-            <a:lnRef idx="2">
-              <a:schemeClr val="accent4">
-                <a:shade val="50000"/>
-              </a:schemeClr>
-            </a:lnRef>
-            <a:fillRef idx="1">
-              <a:schemeClr val="accent4"/>
-            </a:fillRef>
-            <a:effectRef idx="0">
-              <a:schemeClr val="accent4"/>
-            </a:effectRef>
-            <a:fontRef idx="minor">
-              <a:schemeClr val="lt1"/>
-            </a:fontRef>
-          </p:style>
-        </p:cxnSp>
-        <p:cxnSp>
-          <p:nvCxnSpPr>
-            <p:cNvPr id="36" name="Verbinder: gewinkelt 35"/>
-            <p:cNvCxnSpPr>
-              <a:cxnSpLocks/>
-              <a:stCxn id="17" idx="3"/>
-              <a:endCxn id="15" idx="3"/>
-            </p:cNvCxnSpPr>
-            <p:nvPr/>
-          </p:nvCxnSpPr>
-          <p:spPr>
-            <a:xfrm flipV="1">
-              <a:off x="10246366" y="4097409"/>
-              <a:ext cx="13365" cy="1752248"/>
-            </a:xfrm>
-            <a:prstGeom prst="bentConnector3">
-              <a:avLst>
-                <a:gd name="adj1" fmla="val 1800000"/>
-              </a:avLst>
-            </a:prstGeom>
-            <a:ln>
-              <a:tailEnd type="triangle"/>
-            </a:ln>
-          </p:spPr>
-          <p:style>
-            <a:lnRef idx="2">
-              <a:schemeClr val="accent4">
-                <a:shade val="50000"/>
-              </a:schemeClr>
-            </a:lnRef>
-            <a:fillRef idx="1">
-              <a:schemeClr val="accent4"/>
-            </a:fillRef>
-            <a:effectRef idx="0">
-              <a:schemeClr val="accent4"/>
-            </a:effectRef>
-            <a:fontRef idx="minor">
-              <a:schemeClr val="lt1"/>
-            </a:fontRef>
-          </p:style>
-        </p:cxnSp>
-        <p:sp>
-          <p:nvSpPr>
-            <p:cNvPr id="44" name="Textfeld 43"/>
-            <p:cNvSpPr txBox="1"/>
-            <p:nvPr/>
-          </p:nvSpPr>
-          <p:spPr>
-            <a:xfrm>
-              <a:off x="6354143" y="2358571"/>
-              <a:ext cx="1704223" cy="355564"/>
-            </a:xfrm>
-            <a:prstGeom prst="rect">
-              <a:avLst/>
-            </a:prstGeom>
-            <a:noFill/>
-          </p:spPr>
-          <p:txBody>
-            <a:bodyPr wrap="square" rtlCol="0">
-              <a:spAutoFit/>
-            </a:bodyPr>
-            <a:lstStyle/>
-            <a:p>
-              <a:pPr algn="ctr"/>
-              <a:r>
-                <a:rPr lang="de-DE" sz="1600" b="1" dirty="0">
-                  <a:solidFill>
-                    <a:prstClr val="black">
-                      <a:lumMod val="75000"/>
-                      <a:lumOff val="25000"/>
-                    </a:prstClr>
-                  </a:solidFill>
-                </a:rPr>
-                <a:t>Applikation</a:t>
-              </a:r>
-              <a:endParaRPr lang="de-DE" sz="2000" b="1" dirty="0"/>
-            </a:p>
-          </p:txBody>
-        </p:sp>
-        <p:sp>
-          <p:nvSpPr>
-            <p:cNvPr id="45" name="Textfeld 44"/>
-            <p:cNvSpPr txBox="1"/>
-            <p:nvPr/>
-          </p:nvSpPr>
-          <p:spPr>
-            <a:xfrm>
-              <a:off x="8542144" y="2379747"/>
-              <a:ext cx="1704223" cy="355564"/>
-            </a:xfrm>
-            <a:prstGeom prst="rect">
-              <a:avLst/>
-            </a:prstGeom>
-            <a:noFill/>
-          </p:spPr>
-          <p:txBody>
-            <a:bodyPr wrap="square" rtlCol="0">
-              <a:spAutoFit/>
-            </a:bodyPr>
-            <a:lstStyle/>
-            <a:p>
-              <a:pPr lvl="0" algn="ctr"/>
-              <a:r>
-                <a:rPr lang="de-DE" sz="1600" b="1" dirty="0" err="1">
-                  <a:solidFill>
-                    <a:prstClr val="black">
-                      <a:lumMod val="75000"/>
-                      <a:lumOff val="25000"/>
-                    </a:prstClr>
-                  </a:solidFill>
-                </a:rPr>
-                <a:t>LwAR</a:t>
-              </a:r>
-              <a:endParaRPr lang="de-DE" sz="2000" b="1" dirty="0">
+          <a:prstGeom prst="rect">
+            <a:avLst/>
+          </a:prstGeom>
+          <a:noFill/>
+          <a:extLst>
+            <a:ext uri="{909E8E84-426E-40DD-AFC4-6F175D3DCCD1}">
+              <a14:hiddenFill xmlns:a14="http://schemas.microsoft.com/office/drawing/2010/main">
                 <a:solidFill>
-                  <a:prstClr val="black"/>
+                  <a:srgbClr val="FFFFFF"/>
                 </a:solidFill>
-              </a:endParaRPr>
-            </a:p>
-          </p:txBody>
-        </p:sp>
-        <p:sp>
-          <p:nvSpPr>
-            <p:cNvPr id="48" name="Textfeld 47"/>
-            <p:cNvSpPr txBox="1"/>
-            <p:nvPr/>
-          </p:nvSpPr>
-          <p:spPr>
-            <a:xfrm>
-              <a:off x="10684750" y="4700597"/>
-              <a:ext cx="886408" cy="523220"/>
-            </a:xfrm>
-            <a:prstGeom prst="rect">
-              <a:avLst/>
-            </a:prstGeom>
-            <a:noFill/>
-          </p:spPr>
-          <p:txBody>
-            <a:bodyPr wrap="square" rtlCol="0">
-              <a:spAutoFit/>
-            </a:bodyPr>
-            <a:lstStyle/>
-            <a:p>
-              <a:r>
-                <a:rPr lang="de-DE" sz="1400" dirty="0"/>
-                <a:t>Main-Loop</a:t>
-              </a:r>
-            </a:p>
-          </p:txBody>
-        </p:sp>
-        <p:sp>
-          <p:nvSpPr>
-            <p:cNvPr id="63" name="Rechteck 62"/>
-            <p:cNvSpPr/>
-            <p:nvPr/>
-          </p:nvSpPr>
-          <p:spPr>
-            <a:xfrm>
-              <a:off x="6354143" y="3833959"/>
-              <a:ext cx="1704223" cy="526897"/>
-            </a:xfrm>
-            <a:prstGeom prst="rect">
-              <a:avLst/>
-            </a:prstGeom>
-          </p:spPr>
-          <p:style>
-            <a:lnRef idx="2">
-              <a:schemeClr val="accent3">
-                <a:shade val="50000"/>
-              </a:schemeClr>
-            </a:lnRef>
-            <a:fillRef idx="1">
-              <a:schemeClr val="accent3"/>
-            </a:fillRef>
-            <a:effectRef idx="0">
-              <a:schemeClr val="accent3"/>
-            </a:effectRef>
-            <a:fontRef idx="minor">
-              <a:schemeClr val="lt1"/>
-            </a:fontRef>
-          </p:style>
-          <p:txBody>
-            <a:bodyPr rtlCol="0" anchor="ctr"/>
-            <a:lstStyle/>
-            <a:p>
-              <a:pPr algn="ctr"/>
-              <a:r>
-                <a:rPr lang="de-DE" sz="1600" dirty="0" err="1"/>
-                <a:t>OnUpdate</a:t>
-              </a:r>
-              <a:endParaRPr lang="de-DE" sz="1600" dirty="0"/>
-            </a:p>
-          </p:txBody>
-        </p:sp>
-        <p:cxnSp>
-          <p:nvCxnSpPr>
-            <p:cNvPr id="66" name="Gerade Verbindung mit Pfeil 65"/>
-            <p:cNvCxnSpPr/>
-            <p:nvPr/>
-          </p:nvCxnSpPr>
-          <p:spPr>
-            <a:xfrm flipH="1">
-              <a:off x="8058366" y="4022760"/>
-              <a:ext cx="483778" cy="0"/>
-            </a:xfrm>
-            <a:prstGeom prst="straightConnector1">
-              <a:avLst/>
-            </a:prstGeom>
-            <a:ln>
-              <a:tailEnd type="triangle"/>
-            </a:ln>
-          </p:spPr>
-          <p:style>
-            <a:lnRef idx="2">
-              <a:schemeClr val="accent4">
-                <a:shade val="50000"/>
-              </a:schemeClr>
-            </a:lnRef>
-            <a:fillRef idx="1">
-              <a:schemeClr val="accent4"/>
-            </a:fillRef>
-            <a:effectRef idx="0">
-              <a:schemeClr val="accent4"/>
-            </a:effectRef>
-            <a:fontRef idx="minor">
-              <a:schemeClr val="lt1"/>
-            </a:fontRef>
-          </p:style>
-        </p:cxnSp>
-        <p:cxnSp>
-          <p:nvCxnSpPr>
-            <p:cNvPr id="67" name="Gerade Verbindung mit Pfeil 66"/>
-            <p:cNvCxnSpPr>
-              <a:cxnSpLocks/>
-            </p:cNvCxnSpPr>
-            <p:nvPr/>
-          </p:nvCxnSpPr>
-          <p:spPr>
-            <a:xfrm>
-              <a:off x="8058366" y="4237003"/>
-              <a:ext cx="483778" cy="0"/>
-            </a:xfrm>
-            <a:prstGeom prst="straightConnector1">
-              <a:avLst/>
-            </a:prstGeom>
-            <a:ln>
-              <a:tailEnd type="triangle"/>
-            </a:ln>
-          </p:spPr>
-          <p:style>
-            <a:lnRef idx="2">
-              <a:schemeClr val="accent4">
-                <a:shade val="50000"/>
-              </a:schemeClr>
-            </a:lnRef>
-            <a:fillRef idx="1">
-              <a:schemeClr val="accent4"/>
-            </a:fillRef>
-            <a:effectRef idx="0">
-              <a:schemeClr val="accent4"/>
-            </a:effectRef>
-            <a:fontRef idx="minor">
-              <a:schemeClr val="lt1"/>
-            </a:fontRef>
-          </p:style>
-        </p:cxnSp>
-      </p:grpSp>
+              </a14:hiddenFill>
+            </a:ext>
+          </a:extLst>
+        </p:spPr>
+      </p:pic>
+      <p:sp>
+        <p:nvSpPr>
+          <p:cNvPr id="28" name="Textfeld 27"/>
+          <p:cNvSpPr txBox="1"/>
+          <p:nvPr/>
+        </p:nvSpPr>
+        <p:spPr>
+          <a:xfrm>
+            <a:off x="6070961" y="2539214"/>
+            <a:ext cx="1704223" cy="338554"/>
+          </a:xfrm>
+          <a:prstGeom prst="rect">
+            <a:avLst/>
+          </a:prstGeom>
+          <a:noFill/>
+        </p:spPr>
+        <p:txBody>
+          <a:bodyPr wrap="square" rtlCol="0">
+            <a:spAutoFit/>
+          </a:bodyPr>
+          <a:lstStyle/>
+          <a:p>
+            <a:pPr algn="ctr"/>
+            <a:r>
+              <a:rPr lang="de-DE" sz="1600" b="1" dirty="0" err="1">
+                <a:solidFill>
+                  <a:prstClr val="black">
+                    <a:lumMod val="75000"/>
+                    <a:lumOff val="25000"/>
+                  </a:prstClr>
+                </a:solidFill>
+              </a:rPr>
+              <a:t>Worldspace</a:t>
+            </a:r>
+            <a:endParaRPr lang="de-DE" sz="2000" b="1" dirty="0"/>
+          </a:p>
+        </p:txBody>
+      </p:sp>
+      <p:sp>
+        <p:nvSpPr>
+          <p:cNvPr id="30" name="Textfeld 29"/>
+          <p:cNvSpPr txBox="1"/>
+          <p:nvPr/>
+        </p:nvSpPr>
+        <p:spPr>
+          <a:xfrm>
+            <a:off x="8946715" y="2603500"/>
+            <a:ext cx="1704223" cy="338554"/>
+          </a:xfrm>
+          <a:prstGeom prst="rect">
+            <a:avLst/>
+          </a:prstGeom>
+          <a:noFill/>
+        </p:spPr>
+        <p:txBody>
+          <a:bodyPr wrap="square" rtlCol="0">
+            <a:spAutoFit/>
+          </a:bodyPr>
+          <a:lstStyle/>
+          <a:p>
+            <a:pPr lvl="0" algn="ctr"/>
+            <a:r>
+              <a:rPr lang="de-DE" sz="1600" b="1" dirty="0" err="1">
+                <a:solidFill>
+                  <a:prstClr val="black">
+                    <a:lumMod val="75000"/>
+                    <a:lumOff val="25000"/>
+                  </a:prstClr>
+                </a:solidFill>
+              </a:rPr>
+              <a:t>Screenspace</a:t>
+            </a:r>
+            <a:endParaRPr lang="de-DE" sz="2000" b="1" dirty="0">
+              <a:solidFill>
+                <a:prstClr val="black"/>
+              </a:solidFill>
+            </a:endParaRPr>
+          </a:p>
+        </p:txBody>
+      </p:sp>
+      <p:pic>
+        <p:nvPicPr>
+          <p:cNvPr id="1028" name="Picture 4" descr="1563 (262×216)"/>
+          <p:cNvPicPr>
+            <a:picLocks noChangeAspect="1" noChangeArrowheads="1"/>
+          </p:cNvPicPr>
+          <p:nvPr/>
+        </p:nvPicPr>
+        <p:blipFill>
+          <a:blip r:embed="rId4">
+            <a:extLst>
+              <a:ext uri="{28A0092B-C50C-407E-A947-70E740481C1C}">
+                <a14:useLocalDpi xmlns:a14="http://schemas.microsoft.com/office/drawing/2010/main" val="0"/>
+              </a:ext>
+            </a:extLst>
+          </a:blip>
+          <a:srcRect/>
+          <a:stretch>
+            <a:fillRect/>
+          </a:stretch>
+        </p:blipFill>
+        <p:spPr bwMode="auto">
+          <a:xfrm>
+            <a:off x="5753746" y="3136352"/>
+            <a:ext cx="2495550" cy="2057400"/>
+          </a:xfrm>
+          <a:prstGeom prst="rect">
+            <a:avLst/>
+          </a:prstGeom>
+          <a:noFill/>
+          <a:extLst>
+            <a:ext uri="{909E8E84-426E-40DD-AFC4-6F175D3DCCD1}">
+              <a14:hiddenFill xmlns:a14="http://schemas.microsoft.com/office/drawing/2010/main">
+                <a:solidFill>
+                  <a:srgbClr val="FFFFFF"/>
+                </a:solidFill>
+              </a14:hiddenFill>
+            </a:ext>
+          </a:extLst>
+        </p:spPr>
+      </p:pic>
     </p:spTree>
     <p:extLst>
       <p:ext uri="{BB962C8B-B14F-4D97-AF65-F5344CB8AC3E}">

--- a/Docu/Präsentation_LwAR.pptx
+++ b/Docu/Präsentation_LwAR.pptx
@@ -217,7 +217,7 @@
           <a:p>
             <a:fld id="{F15571A2-EC50-475C-B318-CE84BCE7B47D}" type="datetimeFigureOut">
               <a:rPr lang="de-DE" smtClean="0"/>
-              <a:t>16.01.2017</a:t>
+              <a:t>17.01.2017</a:t>
             </a:fld>
             <a:endParaRPr lang="de-DE"/>
           </a:p>
@@ -3029,7 +3029,7 @@
           <a:p>
             <a:fld id="{5A8D52B4-EE68-48E4-9250-96B075A3601F}" type="datetime1">
               <a:rPr lang="de-DE" smtClean="0"/>
-              <a:t>16.01.2017</a:t>
+              <a:t>17.01.2017</a:t>
             </a:fld>
             <a:endParaRPr lang="de-DE"/>
           </a:p>
@@ -4153,7 +4153,7 @@
           <a:p>
             <a:fld id="{9A1F566C-8DF9-450F-8647-A7073CC22833}" type="datetime1">
               <a:rPr lang="de-DE" smtClean="0"/>
-              <a:t>16.01.2017</a:t>
+              <a:t>17.01.2017</a:t>
             </a:fld>
             <a:endParaRPr lang="de-DE"/>
           </a:p>
@@ -5168,7 +5168,7 @@
           <a:p>
             <a:fld id="{BBB1CD8B-2CD7-438E-B4B4-FE0E9618FC6D}" type="datetime1">
               <a:rPr lang="de-DE" smtClean="0"/>
-              <a:t>16.01.2017</a:t>
+              <a:t>17.01.2017</a:t>
             </a:fld>
             <a:endParaRPr lang="de-DE"/>
           </a:p>
@@ -6342,7 +6342,7 @@
           <a:p>
             <a:fld id="{E39A4E10-FC5A-4094-9729-A4810DD3B038}" type="datetime1">
               <a:rPr lang="de-DE" smtClean="0"/>
-              <a:t>16.01.2017</a:t>
+              <a:t>17.01.2017</a:t>
             </a:fld>
             <a:endParaRPr lang="de-DE"/>
           </a:p>
@@ -7407,7 +7407,7 @@
           <a:p>
             <a:fld id="{80A705BD-1C5F-44D2-AD56-9DB284A93D47}" type="datetime1">
               <a:rPr lang="de-DE" smtClean="0"/>
-              <a:t>16.01.2017</a:t>
+              <a:t>17.01.2017</a:t>
             </a:fld>
             <a:endParaRPr lang="de-DE"/>
           </a:p>
@@ -8057,7 +8057,7 @@
           <a:p>
             <a:fld id="{BD00F8EA-DD15-4097-BEDD-5366F14B294B}" type="datetime1">
               <a:rPr lang="de-DE" smtClean="0"/>
-              <a:t>16.01.2017</a:t>
+              <a:t>17.01.2017</a:t>
             </a:fld>
             <a:endParaRPr lang="de-DE"/>
           </a:p>
@@ -8908,7 +8908,7 @@
           <a:p>
             <a:fld id="{A9BEBE0C-AF58-4BD2-9DE7-888B9EA7B74D}" type="datetime1">
               <a:rPr lang="de-DE" smtClean="0"/>
-              <a:t>16.01.2017</a:t>
+              <a:t>17.01.2017</a:t>
             </a:fld>
             <a:endParaRPr lang="de-DE"/>
           </a:p>
@@ -9087,7 +9087,7 @@
           <a:p>
             <a:fld id="{F092C4FA-BA3B-41B5-B496-A22463A34777}" type="datetime1">
               <a:rPr lang="de-DE" smtClean="0"/>
-              <a:t>16.01.2017</a:t>
+              <a:t>17.01.2017</a:t>
             </a:fld>
             <a:endParaRPr lang="de-DE"/>
           </a:p>
@@ -10089,7 +10089,7 @@
           <a:p>
             <a:fld id="{1CE24504-A0E9-420D-8671-AD174BAF7BE7}" type="datetime1">
               <a:rPr lang="de-DE" smtClean="0"/>
-              <a:t>16.01.2017</a:t>
+              <a:t>17.01.2017</a:t>
             </a:fld>
             <a:endParaRPr lang="de-DE"/>
           </a:p>
@@ -10299,7 +10299,7 @@
           <a:p>
             <a:fld id="{79ECE2FE-5E1F-4466-9368-F5EF11B0EA70}" type="datetime1">
               <a:rPr lang="de-DE" smtClean="0"/>
-              <a:t>16.01.2017</a:t>
+              <a:t>17.01.2017</a:t>
             </a:fld>
             <a:endParaRPr lang="de-DE"/>
           </a:p>
@@ -11370,7 +11370,7 @@
           <a:p>
             <a:fld id="{EA7CA211-A885-45B6-933B-966CBA347BEE}" type="datetime1">
               <a:rPr lang="de-DE" smtClean="0"/>
-              <a:t>16.01.2017</a:t>
+              <a:t>17.01.2017</a:t>
             </a:fld>
             <a:endParaRPr lang="de-DE"/>
           </a:p>
@@ -11646,7 +11646,7 @@
           <a:p>
             <a:fld id="{30D33E8B-E586-4331-9CC3-8863C2A90EE2}" type="datetime1">
               <a:rPr lang="de-DE" smtClean="0"/>
-              <a:t>16.01.2017</a:t>
+              <a:t>17.01.2017</a:t>
             </a:fld>
             <a:endParaRPr lang="de-DE"/>
           </a:p>
@@ -12032,7 +12032,7 @@
           <a:p>
             <a:fld id="{6B88ABCA-AC55-4EA0-B9B7-EF0D82635572}" type="datetime1">
               <a:rPr lang="de-DE" smtClean="0"/>
-              <a:t>16.01.2017</a:t>
+              <a:t>17.01.2017</a:t>
             </a:fld>
             <a:endParaRPr lang="de-DE"/>
           </a:p>
@@ -12154,7 +12154,7 @@
           <a:p>
             <a:fld id="{350B58DB-2170-4F9E-B7D8-D21BB50F64B0}" type="datetime1">
               <a:rPr lang="de-DE" smtClean="0"/>
-              <a:t>16.01.2017</a:t>
+              <a:t>17.01.2017</a:t>
             </a:fld>
             <a:endParaRPr lang="de-DE"/>
           </a:p>
@@ -12253,7 +12253,7 @@
           <a:p>
             <a:fld id="{DCEE0346-DE10-445C-B71D-EBBC9A8AD4B6}" type="datetime1">
               <a:rPr lang="de-DE" smtClean="0"/>
-              <a:t>16.01.2017</a:t>
+              <a:t>17.01.2017</a:t>
             </a:fld>
             <a:endParaRPr lang="de-DE"/>
           </a:p>
@@ -13366,7 +13366,7 @@
           <a:p>
             <a:fld id="{2AA99119-A620-48C0-A759-F2865D977E67}" type="datetime1">
               <a:rPr lang="de-DE" smtClean="0"/>
-              <a:t>16.01.2017</a:t>
+              <a:t>17.01.2017</a:t>
             </a:fld>
             <a:endParaRPr lang="de-DE"/>
           </a:p>
@@ -14503,7 +14503,7 @@
           <a:p>
             <a:fld id="{DB54829E-4F21-40FD-9D0A-45B9DECFAF7C}" type="datetime1">
               <a:rPr lang="de-DE" smtClean="0"/>
-              <a:t>16.01.2017</a:t>
+              <a:t>17.01.2017</a:t>
             </a:fld>
             <a:endParaRPr lang="de-DE"/>
           </a:p>
@@ -15535,7 +15535,7 @@
           <a:p>
             <a:fld id="{A380E4E1-E0F5-4E75-A19F-ED7CC46736CD}" type="datetime1">
               <a:rPr lang="de-DE" smtClean="0"/>
-              <a:t>16.01.2017</a:t>
+              <a:t>17.01.2017</a:t>
             </a:fld>
             <a:endParaRPr lang="de-DE" dirty="0"/>
           </a:p>
@@ -16311,7 +16311,7 @@
           <a:p>
             <a:fld id="{49328BDC-C596-4E55-801E-2FAE970A398D}" type="datetime1">
               <a:rPr lang="de-DE" smtClean="0"/>
-              <a:t>16.01.2017</a:t>
+              <a:t>17.01.2017</a:t>
             </a:fld>
             <a:endParaRPr lang="de-DE"/>
           </a:p>
@@ -16436,7 +16436,7 @@
           <a:p>
             <a:fld id="{49328BDC-C596-4E55-801E-2FAE970A398D}" type="datetime1">
               <a:rPr lang="de-DE" smtClean="0"/>
-              <a:t>16.01.2017</a:t>
+              <a:t>17.01.2017</a:t>
             </a:fld>
             <a:endParaRPr lang="de-DE"/>
           </a:p>
@@ -16597,7 +16597,7 @@
           <a:p>
             <a:fld id="{49328BDC-C596-4E55-801E-2FAE970A398D}" type="datetime1">
               <a:rPr lang="de-DE" smtClean="0"/>
-              <a:t>16.01.2017</a:t>
+              <a:t>17.01.2017</a:t>
             </a:fld>
             <a:endParaRPr lang="de-DE"/>
           </a:p>
@@ -16758,7 +16758,7 @@
           <a:p>
             <a:fld id="{49328BDC-C596-4E55-801E-2FAE970A398D}" type="datetime1">
               <a:rPr lang="de-DE" smtClean="0"/>
-              <a:t>16.01.2017</a:t>
+              <a:t>17.01.2017</a:t>
             </a:fld>
             <a:endParaRPr lang="de-DE"/>
           </a:p>
@@ -16919,7 +16919,7 @@
           <a:p>
             <a:fld id="{49328BDC-C596-4E55-801E-2FAE970A398D}" type="datetime1">
               <a:rPr lang="de-DE" smtClean="0"/>
-              <a:t>16.01.2017</a:t>
+              <a:t>17.01.2017</a:t>
             </a:fld>
             <a:endParaRPr lang="de-DE"/>
           </a:p>
@@ -17080,7 +17080,7 @@
           <a:p>
             <a:fld id="{49328BDC-C596-4E55-801E-2FAE970A398D}" type="datetime1">
               <a:rPr lang="de-DE" smtClean="0"/>
-              <a:t>16.01.2017</a:t>
+              <a:t>17.01.2017</a:t>
             </a:fld>
             <a:endParaRPr lang="de-DE"/>
           </a:p>
@@ -17230,15 +17230,21 @@
           <a:p>
             <a:r>
               <a:rPr lang="de-DE" dirty="0"/>
-              <a:t>Unterstützung von </a:t>
-            </a:r>
-            <a:r>
-              <a:rPr lang="de-DE" dirty="0" err="1"/>
-              <a:t>meheren</a:t>
+              <a:t>Unterstützung </a:t>
+            </a:r>
+            <a:r>
+              <a:rPr lang="de-DE"/>
+              <a:t>von mehreren </a:t>
             </a:r>
             <a:r>
               <a:rPr lang="de-DE" dirty="0"/>
-              <a:t> Lichtquellen</a:t>
+              <a:t>Lichtquellen</a:t>
+            </a:r>
+          </a:p>
+          <a:p>
+            <a:r>
+              <a:rPr lang="de-DE" dirty="0"/>
+              <a:t>Unterstützung Mehr als eine gedrückte Taste</a:t>
             </a:r>
           </a:p>
           <a:p>
@@ -17266,7 +17272,7 @@
           <a:p>
             <a:fld id="{4E57EC31-316A-4592-97B1-60A87D77E01F}" type="datetime1">
               <a:rPr lang="de-DE" smtClean="0"/>
-              <a:t>16.01.2017</a:t>
+              <a:t>17.01.2017</a:t>
             </a:fld>
             <a:endParaRPr lang="de-DE"/>
           </a:p>
@@ -17387,7 +17393,7 @@
           <a:p>
             <a:fld id="{F6A73F07-7947-4C79-8D48-EEFD7183EDF6}" type="datetime1">
               <a:rPr lang="de-DE" smtClean="0"/>
-              <a:t>16.01.2017</a:t>
+              <a:t>17.01.2017</a:t>
             </a:fld>
             <a:endParaRPr lang="de-DE"/>
           </a:p>
@@ -17516,7 +17522,7 @@
           <a:p>
             <a:fld id="{B49D89A0-5304-4B41-917C-2D34B9C54785}" type="datetime1">
               <a:rPr lang="de-DE" smtClean="0"/>
-              <a:t>16.01.2017</a:t>
+              <a:t>17.01.2017</a:t>
             </a:fld>
             <a:endParaRPr lang="de-DE"/>
           </a:p>
@@ -17738,7 +17744,7 @@
           <a:p>
             <a:fld id="{B933DA4C-E278-4424-B240-06D8B28F3414}" type="datetime1">
               <a:rPr lang="de-DE" smtClean="0"/>
-              <a:t>16.01.2017</a:t>
+              <a:t>17.01.2017</a:t>
             </a:fld>
             <a:endParaRPr lang="de-DE"/>
           </a:p>
@@ -17931,7 +17937,7 @@
           <a:p>
             <a:fld id="{49328BDC-C596-4E55-801E-2FAE970A398D}" type="datetime1">
               <a:rPr lang="de-DE" smtClean="0"/>
-              <a:t>16.01.2017</a:t>
+              <a:t>17.01.2017</a:t>
             </a:fld>
             <a:endParaRPr lang="de-DE"/>
           </a:p>
@@ -18024,27 +18030,8 @@
                   </a:schemeClr>
                 </a:solidFill>
               </a:rPr>
-              <a:t> Reality Beispiel, Quelle: </a:t>
-            </a:r>
-            <a:r>
-              <a:rPr lang="de-DE" sz="1200" dirty="0">
-                <a:solidFill>
-                  <a:schemeClr val="tx1">
-                    <a:lumMod val="75000"/>
-                    <a:lumOff val="25000"/>
-                  </a:schemeClr>
-                </a:solidFill>
-              </a:rPr>
-              <a:t>http://media.bemyapp.com/ar-terminator/</a:t>
-            </a:r>
-            <a:endParaRPr lang="de-DE" sz="1200" dirty="0">
-              <a:solidFill>
-                <a:schemeClr val="tx1">
-                  <a:lumMod val="75000"/>
-                  <a:lumOff val="25000"/>
-                </a:schemeClr>
-              </a:solidFill>
-            </a:endParaRPr>
+              <a:t> Reality Beispiel, Quelle: http://media.bemyapp.com/ar-terminator/</a:t>
+            </a:r>
           </a:p>
         </p:txBody>
       </p:sp>
@@ -18290,7 +18277,7 @@
           <a:p>
             <a:fld id="{49328BDC-C596-4E55-801E-2FAE970A398D}" type="datetime1">
               <a:rPr lang="de-DE" smtClean="0"/>
-              <a:t>16.01.2017</a:t>
+              <a:t>17.01.2017</a:t>
             </a:fld>
             <a:endParaRPr lang="de-DE"/>
           </a:p>
@@ -18549,7 +18536,7 @@
           <a:p>
             <a:fld id="{49328BDC-C596-4E55-801E-2FAE970A398D}" type="datetime1">
               <a:rPr lang="de-DE" smtClean="0"/>
-              <a:t>16.01.2017</a:t>
+              <a:t>17.01.2017</a:t>
             </a:fld>
             <a:endParaRPr lang="de-DE"/>
           </a:p>
@@ -18832,7 +18819,7 @@
           <a:p>
             <a:fld id="{49328BDC-C596-4E55-801E-2FAE970A398D}" type="datetime1">
               <a:rPr lang="de-DE" smtClean="0"/>
-              <a:t>16.01.2017</a:t>
+              <a:t>17.01.2017</a:t>
             </a:fld>
             <a:endParaRPr lang="de-DE"/>
           </a:p>
@@ -19093,7 +19080,7 @@
           <a:p>
             <a:fld id="{49328BDC-C596-4E55-801E-2FAE970A398D}" type="datetime1">
               <a:rPr lang="de-DE" smtClean="0"/>
-              <a:t>16.01.2017</a:t>
+              <a:t>17.01.2017</a:t>
             </a:fld>
             <a:endParaRPr lang="de-DE"/>
           </a:p>
@@ -19299,7 +19286,7 @@
           <a:p>
             <a:fld id="{49328BDC-C596-4E55-801E-2FAE970A398D}" type="datetime1">
               <a:rPr lang="de-DE" smtClean="0"/>
-              <a:t>16.01.2017</a:t>
+              <a:t>17.01.2017</a:t>
             </a:fld>
             <a:endParaRPr lang="de-DE"/>
           </a:p>
@@ -20215,11 +20202,7 @@
           <a:p>
             <a:r>
               <a:rPr lang="de-DE" dirty="0"/>
-              <a:t>OpenGL: R</a:t>
-            </a:r>
-            <a:r>
-              <a:rPr lang="de-DE" dirty="0"/>
-              <a:t>echtshändiges Koordinatensystem, (0,0,0) im Zentrum</a:t>
+              <a:t>OpenGL: Rechtshändiges Koordinatensystem, (0,0,0) im Zentrum</a:t>
             </a:r>
           </a:p>
           <a:p>
@@ -20245,7 +20228,6 @@
               <a:rPr lang="de-DE" dirty="0"/>
               <a:t>, 1, 0)</a:t>
             </a:r>
-            <a:endParaRPr lang="de-DE" dirty="0"/>
           </a:p>
           <a:p>
             <a:r>
@@ -20283,7 +20265,7 @@
           <a:p>
             <a:fld id="{49328BDC-C596-4E55-801E-2FAE970A398D}" type="datetime1">
               <a:rPr lang="de-DE" smtClean="0"/>
-              <a:t>16.01.2017</a:t>
+              <a:t>17.01.2017</a:t>
             </a:fld>
             <a:endParaRPr lang="de-DE"/>
           </a:p>

--- a/Docu/Präsentation_LwAR.pptx
+++ b/Docu/Präsentation_LwAR.pptx
@@ -217,7 +217,7 @@
           <a:p>
             <a:fld id="{F15571A2-EC50-475C-B318-CE84BCE7B47D}" type="datetimeFigureOut">
               <a:rPr lang="de-DE" smtClean="0"/>
-              <a:t>17.01.2017</a:t>
+              <a:t>18.01.2017</a:t>
             </a:fld>
             <a:endParaRPr lang="de-DE"/>
           </a:p>
@@ -3029,7 +3029,7 @@
           <a:p>
             <a:fld id="{5A8D52B4-EE68-48E4-9250-96B075A3601F}" type="datetime1">
               <a:rPr lang="de-DE" smtClean="0"/>
-              <a:t>17.01.2017</a:t>
+              <a:t>18.01.2017</a:t>
             </a:fld>
             <a:endParaRPr lang="de-DE"/>
           </a:p>
@@ -4153,7 +4153,7 @@
           <a:p>
             <a:fld id="{9A1F566C-8DF9-450F-8647-A7073CC22833}" type="datetime1">
               <a:rPr lang="de-DE" smtClean="0"/>
-              <a:t>17.01.2017</a:t>
+              <a:t>18.01.2017</a:t>
             </a:fld>
             <a:endParaRPr lang="de-DE"/>
           </a:p>
@@ -5168,7 +5168,7 @@
           <a:p>
             <a:fld id="{BBB1CD8B-2CD7-438E-B4B4-FE0E9618FC6D}" type="datetime1">
               <a:rPr lang="de-DE" smtClean="0"/>
-              <a:t>17.01.2017</a:t>
+              <a:t>18.01.2017</a:t>
             </a:fld>
             <a:endParaRPr lang="de-DE"/>
           </a:p>
@@ -6342,7 +6342,7 @@
           <a:p>
             <a:fld id="{E39A4E10-FC5A-4094-9729-A4810DD3B038}" type="datetime1">
               <a:rPr lang="de-DE" smtClean="0"/>
-              <a:t>17.01.2017</a:t>
+              <a:t>18.01.2017</a:t>
             </a:fld>
             <a:endParaRPr lang="de-DE"/>
           </a:p>
@@ -7407,7 +7407,7 @@
           <a:p>
             <a:fld id="{80A705BD-1C5F-44D2-AD56-9DB284A93D47}" type="datetime1">
               <a:rPr lang="de-DE" smtClean="0"/>
-              <a:t>17.01.2017</a:t>
+              <a:t>18.01.2017</a:t>
             </a:fld>
             <a:endParaRPr lang="de-DE"/>
           </a:p>
@@ -8057,7 +8057,7 @@
           <a:p>
             <a:fld id="{BD00F8EA-DD15-4097-BEDD-5366F14B294B}" type="datetime1">
               <a:rPr lang="de-DE" smtClean="0"/>
-              <a:t>17.01.2017</a:t>
+              <a:t>18.01.2017</a:t>
             </a:fld>
             <a:endParaRPr lang="de-DE"/>
           </a:p>
@@ -8908,7 +8908,7 @@
           <a:p>
             <a:fld id="{A9BEBE0C-AF58-4BD2-9DE7-888B9EA7B74D}" type="datetime1">
               <a:rPr lang="de-DE" smtClean="0"/>
-              <a:t>17.01.2017</a:t>
+              <a:t>18.01.2017</a:t>
             </a:fld>
             <a:endParaRPr lang="de-DE"/>
           </a:p>
@@ -9087,7 +9087,7 @@
           <a:p>
             <a:fld id="{F092C4FA-BA3B-41B5-B496-A22463A34777}" type="datetime1">
               <a:rPr lang="de-DE" smtClean="0"/>
-              <a:t>17.01.2017</a:t>
+              <a:t>18.01.2017</a:t>
             </a:fld>
             <a:endParaRPr lang="de-DE"/>
           </a:p>
@@ -10089,7 +10089,7 @@
           <a:p>
             <a:fld id="{1CE24504-A0E9-420D-8671-AD174BAF7BE7}" type="datetime1">
               <a:rPr lang="de-DE" smtClean="0"/>
-              <a:t>17.01.2017</a:t>
+              <a:t>18.01.2017</a:t>
             </a:fld>
             <a:endParaRPr lang="de-DE"/>
           </a:p>
@@ -10299,7 +10299,7 @@
           <a:p>
             <a:fld id="{79ECE2FE-5E1F-4466-9368-F5EF11B0EA70}" type="datetime1">
               <a:rPr lang="de-DE" smtClean="0"/>
-              <a:t>17.01.2017</a:t>
+              <a:t>18.01.2017</a:t>
             </a:fld>
             <a:endParaRPr lang="de-DE"/>
           </a:p>
@@ -11370,7 +11370,7 @@
           <a:p>
             <a:fld id="{EA7CA211-A885-45B6-933B-966CBA347BEE}" type="datetime1">
               <a:rPr lang="de-DE" smtClean="0"/>
-              <a:t>17.01.2017</a:t>
+              <a:t>18.01.2017</a:t>
             </a:fld>
             <a:endParaRPr lang="de-DE"/>
           </a:p>
@@ -11646,7 +11646,7 @@
           <a:p>
             <a:fld id="{30D33E8B-E586-4331-9CC3-8863C2A90EE2}" type="datetime1">
               <a:rPr lang="de-DE" smtClean="0"/>
-              <a:t>17.01.2017</a:t>
+              <a:t>18.01.2017</a:t>
             </a:fld>
             <a:endParaRPr lang="de-DE"/>
           </a:p>
@@ -12032,7 +12032,7 @@
           <a:p>
             <a:fld id="{6B88ABCA-AC55-4EA0-B9B7-EF0D82635572}" type="datetime1">
               <a:rPr lang="de-DE" smtClean="0"/>
-              <a:t>17.01.2017</a:t>
+              <a:t>18.01.2017</a:t>
             </a:fld>
             <a:endParaRPr lang="de-DE"/>
           </a:p>
@@ -12154,7 +12154,7 @@
           <a:p>
             <a:fld id="{350B58DB-2170-4F9E-B7D8-D21BB50F64B0}" type="datetime1">
               <a:rPr lang="de-DE" smtClean="0"/>
-              <a:t>17.01.2017</a:t>
+              <a:t>18.01.2017</a:t>
             </a:fld>
             <a:endParaRPr lang="de-DE"/>
           </a:p>
@@ -12253,7 +12253,7 @@
           <a:p>
             <a:fld id="{DCEE0346-DE10-445C-B71D-EBBC9A8AD4B6}" type="datetime1">
               <a:rPr lang="de-DE" smtClean="0"/>
-              <a:t>17.01.2017</a:t>
+              <a:t>18.01.2017</a:t>
             </a:fld>
             <a:endParaRPr lang="de-DE"/>
           </a:p>
@@ -13366,7 +13366,7 @@
           <a:p>
             <a:fld id="{2AA99119-A620-48C0-A759-F2865D977E67}" type="datetime1">
               <a:rPr lang="de-DE" smtClean="0"/>
-              <a:t>17.01.2017</a:t>
+              <a:t>18.01.2017</a:t>
             </a:fld>
             <a:endParaRPr lang="de-DE"/>
           </a:p>
@@ -14503,7 +14503,7 @@
           <a:p>
             <a:fld id="{DB54829E-4F21-40FD-9D0A-45B9DECFAF7C}" type="datetime1">
               <a:rPr lang="de-DE" smtClean="0"/>
-              <a:t>17.01.2017</a:t>
+              <a:t>18.01.2017</a:t>
             </a:fld>
             <a:endParaRPr lang="de-DE"/>
           </a:p>
@@ -15535,7 +15535,7 @@
           <a:p>
             <a:fld id="{A380E4E1-E0F5-4E75-A19F-ED7CC46736CD}" type="datetime1">
               <a:rPr lang="de-DE" smtClean="0"/>
-              <a:t>17.01.2017</a:t>
+              <a:t>18.01.2017</a:t>
             </a:fld>
             <a:endParaRPr lang="de-DE" dirty="0"/>
           </a:p>
@@ -16311,7 +16311,7 @@
           <a:p>
             <a:fld id="{49328BDC-C596-4E55-801E-2FAE970A398D}" type="datetime1">
               <a:rPr lang="de-DE" smtClean="0"/>
-              <a:t>17.01.2017</a:t>
+              <a:t>18.01.2017</a:t>
             </a:fld>
             <a:endParaRPr lang="de-DE"/>
           </a:p>
@@ -16436,7 +16436,7 @@
           <a:p>
             <a:fld id="{49328BDC-C596-4E55-801E-2FAE970A398D}" type="datetime1">
               <a:rPr lang="de-DE" smtClean="0"/>
-              <a:t>17.01.2017</a:t>
+              <a:t>18.01.2017</a:t>
             </a:fld>
             <a:endParaRPr lang="de-DE"/>
           </a:p>
@@ -16597,7 +16597,7 @@
           <a:p>
             <a:fld id="{49328BDC-C596-4E55-801E-2FAE970A398D}" type="datetime1">
               <a:rPr lang="de-DE" smtClean="0"/>
-              <a:t>17.01.2017</a:t>
+              <a:t>18.01.2017</a:t>
             </a:fld>
             <a:endParaRPr lang="de-DE"/>
           </a:p>
@@ -16758,7 +16758,7 @@
           <a:p>
             <a:fld id="{49328BDC-C596-4E55-801E-2FAE970A398D}" type="datetime1">
               <a:rPr lang="de-DE" smtClean="0"/>
-              <a:t>17.01.2017</a:t>
+              <a:t>18.01.2017</a:t>
             </a:fld>
             <a:endParaRPr lang="de-DE"/>
           </a:p>
@@ -16919,7 +16919,7 @@
           <a:p>
             <a:fld id="{49328BDC-C596-4E55-801E-2FAE970A398D}" type="datetime1">
               <a:rPr lang="de-DE" smtClean="0"/>
-              <a:t>17.01.2017</a:t>
+              <a:t>18.01.2017</a:t>
             </a:fld>
             <a:endParaRPr lang="de-DE"/>
           </a:p>
@@ -17080,7 +17080,7 @@
           <a:p>
             <a:fld id="{49328BDC-C596-4E55-801E-2FAE970A398D}" type="datetime1">
               <a:rPr lang="de-DE" smtClean="0"/>
-              <a:t>17.01.2017</a:t>
+              <a:t>18.01.2017</a:t>
             </a:fld>
             <a:endParaRPr lang="de-DE"/>
           </a:p>
@@ -17272,7 +17272,7 @@
           <a:p>
             <a:fld id="{4E57EC31-316A-4592-97B1-60A87D77E01F}" type="datetime1">
               <a:rPr lang="de-DE" smtClean="0"/>
-              <a:t>17.01.2017</a:t>
+              <a:t>18.01.2017</a:t>
             </a:fld>
             <a:endParaRPr lang="de-DE"/>
           </a:p>
@@ -17393,7 +17393,7 @@
           <a:p>
             <a:fld id="{F6A73F07-7947-4C79-8D48-EEFD7183EDF6}" type="datetime1">
               <a:rPr lang="de-DE" smtClean="0"/>
-              <a:t>17.01.2017</a:t>
+              <a:t>18.01.2017</a:t>
             </a:fld>
             <a:endParaRPr lang="de-DE"/>
           </a:p>
@@ -17522,7 +17522,7 @@
           <a:p>
             <a:fld id="{B49D89A0-5304-4B41-917C-2D34B9C54785}" type="datetime1">
               <a:rPr lang="de-DE" smtClean="0"/>
-              <a:t>17.01.2017</a:t>
+              <a:t>18.01.2017</a:t>
             </a:fld>
             <a:endParaRPr lang="de-DE"/>
           </a:p>
@@ -17744,7 +17744,7 @@
           <a:p>
             <a:fld id="{B933DA4C-E278-4424-B240-06D8B28F3414}" type="datetime1">
               <a:rPr lang="de-DE" smtClean="0"/>
-              <a:t>17.01.2017</a:t>
+              <a:t>18.01.2017</a:t>
             </a:fld>
             <a:endParaRPr lang="de-DE"/>
           </a:p>
@@ -17937,7 +17937,7 @@
           <a:p>
             <a:fld id="{49328BDC-C596-4E55-801E-2FAE970A398D}" type="datetime1">
               <a:rPr lang="de-DE" smtClean="0"/>
-              <a:t>17.01.2017</a:t>
+              <a:t>18.01.2017</a:t>
             </a:fld>
             <a:endParaRPr lang="de-DE"/>
           </a:p>
@@ -18277,7 +18277,7 @@
           <a:p>
             <a:fld id="{49328BDC-C596-4E55-801E-2FAE970A398D}" type="datetime1">
               <a:rPr lang="de-DE" smtClean="0"/>
-              <a:t>17.01.2017</a:t>
+              <a:t>18.01.2017</a:t>
             </a:fld>
             <a:endParaRPr lang="de-DE"/>
           </a:p>
@@ -18536,7 +18536,7 @@
           <a:p>
             <a:fld id="{49328BDC-C596-4E55-801E-2FAE970A398D}" type="datetime1">
               <a:rPr lang="de-DE" smtClean="0"/>
-              <a:t>17.01.2017</a:t>
+              <a:t>18.01.2017</a:t>
             </a:fld>
             <a:endParaRPr lang="de-DE"/>
           </a:p>
@@ -18784,15 +18784,33 @@
             </a:r>
             <a:r>
               <a:rPr lang="de-DE" dirty="0"/>
-              <a:t>::Object3d</a:t>
-            </a:r>
+              <a:t>::</a:t>
+            </a:r>
+            <a:r>
+              <a:rPr lang="de-DE" dirty="0" err="1"/>
+              <a:t>Camera</a:t>
+            </a:r>
+            <a:endParaRPr lang="de-DE" dirty="0"/>
           </a:p>
           <a:p>
             <a:pPr lvl="1"/>
             <a:r>
               <a:rPr lang="de-DE" dirty="0"/>
-              <a:t>Basisklasse für alle 3D-Objekte der Szene</a:t>
-            </a:r>
+              <a:t>Webcam, Kapselung der </a:t>
+            </a:r>
+            <a:r>
+              <a:rPr lang="de-DE" dirty="0" err="1"/>
+              <a:t>OpenCV</a:t>
+            </a:r>
+            <a:r>
+              <a:rPr lang="de-DE" dirty="0"/>
+              <a:t> Klasse cv::</a:t>
+            </a:r>
+            <a:r>
+              <a:rPr lang="de-DE" dirty="0" err="1"/>
+              <a:t>VideoCapture</a:t>
+            </a:r>
+            <a:endParaRPr lang="de-DE" dirty="0"/>
           </a:p>
           <a:p>
             <a:endParaRPr lang="de-DE" dirty="0"/>
@@ -18819,7 +18837,7 @@
           <a:p>
             <a:fld id="{49328BDC-C596-4E55-801E-2FAE970A398D}" type="datetime1">
               <a:rPr lang="de-DE" smtClean="0"/>
-              <a:t>17.01.2017</a:t>
+              <a:t>18.01.2017</a:t>
             </a:fld>
             <a:endParaRPr lang="de-DE"/>
           </a:p>
@@ -18959,6 +18977,24 @@
             </a:r>
             <a:r>
               <a:rPr lang="de-DE" dirty="0"/>
+              <a:t>::Object3d</a:t>
+            </a:r>
+          </a:p>
+          <a:p>
+            <a:pPr lvl="1"/>
+            <a:r>
+              <a:rPr lang="de-DE" dirty="0"/>
+              <a:t>Basisklasse für alle 3D-Objekte der Szene</a:t>
+            </a:r>
+            <a:endParaRPr lang="de-DE" dirty="0"/>
+          </a:p>
+          <a:p>
+            <a:r>
+              <a:rPr lang="de-DE" dirty="0" err="1"/>
+              <a:t>lwar</a:t>
+            </a:r>
+            <a:r>
+              <a:rPr lang="de-DE" dirty="0"/>
               <a:t>::Material</a:t>
             </a:r>
           </a:p>
@@ -19017,43 +19053,11 @@
             </a:r>
             <a:r>
               <a:rPr lang="de-DE" dirty="0"/>
-              <a:t>::</a:t>
-            </a:r>
-            <a:r>
-              <a:rPr lang="de-DE" dirty="0" err="1"/>
-              <a:t>Camera</a:t>
-            </a:r>
+              <a:t>::Text</a:t>
+            </a:r>
+          </a:p>
+          <a:p>
             <a:endParaRPr lang="de-DE" dirty="0"/>
-          </a:p>
-          <a:p>
-            <a:pPr lvl="1"/>
-            <a:r>
-              <a:rPr lang="de-DE" dirty="0"/>
-              <a:t>Webcam, Kapselung der </a:t>
-            </a:r>
-            <a:r>
-              <a:rPr lang="de-DE" dirty="0" err="1"/>
-              <a:t>OpenCV</a:t>
-            </a:r>
-            <a:r>
-              <a:rPr lang="de-DE" dirty="0"/>
-              <a:t> Klasse cv::</a:t>
-            </a:r>
-            <a:r>
-              <a:rPr lang="de-DE" dirty="0" err="1"/>
-              <a:t>VideoCapture</a:t>
-            </a:r>
-            <a:endParaRPr lang="de-DE" dirty="0"/>
-          </a:p>
-          <a:p>
-            <a:r>
-              <a:rPr lang="de-DE" dirty="0" err="1"/>
-              <a:t>lwar</a:t>
-            </a:r>
-            <a:r>
-              <a:rPr lang="de-DE" dirty="0"/>
-              <a:t>::Text</a:t>
-            </a:r>
           </a:p>
           <a:p>
             <a:endParaRPr lang="de-DE" dirty="0"/>
@@ -19080,7 +19084,7 @@
           <a:p>
             <a:fld id="{49328BDC-C596-4E55-801E-2FAE970A398D}" type="datetime1">
               <a:rPr lang="de-DE" smtClean="0"/>
-              <a:t>17.01.2017</a:t>
+              <a:t>18.01.2017</a:t>
             </a:fld>
             <a:endParaRPr lang="de-DE"/>
           </a:p>
@@ -19232,18 +19236,22 @@
               <a:t>Window</a:t>
             </a:r>
             <a:r>
+              <a:rPr lang="de-DE" dirty="0"/>
+              <a:t> Objekt wird in der Applikation erstellt</a:t>
+            </a:r>
+          </a:p>
+          <a:p>
+            <a:r>
+              <a:rPr lang="de-DE" dirty="0"/>
+              <a:t>Nach allen Vorbereitungen wird der Main-Loop </a:t>
+            </a:r>
+            <a:r>
               <a:rPr lang="de-DE"/>
-              <a:t> Objekt wird </a:t>
+              <a:t>via Start() </a:t>
             </a:r>
             <a:r>
               <a:rPr lang="de-DE" dirty="0"/>
-              <a:t>in der Applikation erstellt</a:t>
-            </a:r>
-          </a:p>
-          <a:p>
-            <a:r>
-              <a:rPr lang="de-DE" dirty="0"/>
-              <a:t>Nach allen Vorbereitungen wird der Main-Loop via Start gestartet</a:t>
+              <a:t>gestartet</a:t>
             </a:r>
           </a:p>
           <a:p>
@@ -19286,7 +19294,7 @@
           <a:p>
             <a:fld id="{49328BDC-C596-4E55-801E-2FAE970A398D}" type="datetime1">
               <a:rPr lang="de-DE" smtClean="0"/>
-              <a:t>17.01.2017</a:t>
+              <a:t>18.01.2017</a:t>
             </a:fld>
             <a:endParaRPr lang="de-DE"/>
           </a:p>
@@ -19938,7 +19946,7 @@
           <p:spPr>
             <a:xfrm>
               <a:off x="8542144" y="2379747"/>
-              <a:ext cx="1704223" cy="355564"/>
+              <a:ext cx="1704223" cy="338554"/>
             </a:xfrm>
             <a:prstGeom prst="rect">
               <a:avLst/>
@@ -19961,7 +19969,29 @@
                     </a:prstClr>
                   </a:solidFill>
                 </a:rPr>
-                <a:t>LwAR</a:t>
+                <a:t>Lwar</a:t>
+              </a:r>
+              <a:r>
+                <a:rPr lang="de-DE" sz="1600" b="1" dirty="0">
+                  <a:solidFill>
+                    <a:prstClr val="black">
+                      <a:lumMod val="75000"/>
+                      <a:lumOff val="25000"/>
+                    </a:prstClr>
+                  </a:solidFill>
+                </a:rPr>
+                <a:t>::</a:t>
+              </a:r>
+              <a:r>
+                <a:rPr lang="de-DE" sz="1600" b="1" dirty="0" err="1">
+                  <a:solidFill>
+                    <a:prstClr val="black">
+                      <a:lumMod val="75000"/>
+                      <a:lumOff val="25000"/>
+                    </a:prstClr>
+                  </a:solidFill>
+                </a:rPr>
+                <a:t>Window</a:t>
               </a:r>
               <a:endParaRPr lang="de-DE" sz="2000" b="1" dirty="0">
                 <a:solidFill>
@@ -20265,7 +20295,7 @@
           <a:p>
             <a:fld id="{49328BDC-C596-4E55-801E-2FAE970A398D}" type="datetime1">
               <a:rPr lang="de-DE" smtClean="0"/>
-              <a:t>17.01.2017</a:t>
+              <a:t>18.01.2017</a:t>
             </a:fld>
             <a:endParaRPr lang="de-DE"/>
           </a:p>

--- a/Docu/Präsentation_LwAR.pptx
+++ b/Docu/Präsentation_LwAR.pptx
@@ -16567,10 +16567,41 @@
           <a:lstStyle/>
           <a:p>
             <a:r>
+              <a:rPr lang="de-DE" dirty="0" err="1">
+                <a:hlinkClick r:id="rId3" action="ppaction://hlinkfile"/>
+              </a:rPr>
+              <a:t>LwARTest</a:t>
+            </a:r>
+            <a:endParaRPr lang="de-DE" dirty="0"/>
+          </a:p>
+          <a:p>
+            <a:pPr lvl="1"/>
+            <a:r>
+              <a:rPr lang="de-DE" dirty="0"/>
+              <a:t>Simples Demo Programm </a:t>
+            </a:r>
+          </a:p>
+          <a:p>
+            <a:pPr lvl="1"/>
+            <a:r>
+              <a:rPr lang="de-DE" dirty="0"/>
+              <a:t>Zeigt einen steuerbaren Würfel und Text</a:t>
+            </a:r>
+          </a:p>
+          <a:p>
+            <a:pPr lvl="1"/>
+            <a:r>
+              <a:rPr lang="de-DE" dirty="0"/>
+              <a:t>Zeigt zusätzlich in neuem </a:t>
+            </a:r>
+            <a:r>
               <a:rPr lang="de-DE" dirty="0" err="1"/>
-              <a:t>LwARTest</a:t>
-            </a:r>
-            <a:endParaRPr lang="de-DE" dirty="0"/>
+              <a:t>OpenCV</a:t>
+            </a:r>
+            <a:r>
+              <a:rPr lang="de-DE" dirty="0"/>
+              <a:t> Fenster Kantendetektion des Webcam-Bildes an</a:t>
+            </a:r>
           </a:p>
           <a:p>
             <a:pPr marL="0" indent="0">
@@ -16728,10 +16759,26 @@
           <a:lstStyle/>
           <a:p>
             <a:r>
-              <a:rPr lang="de-DE" dirty="0" err="1"/>
+              <a:rPr lang="de-DE" dirty="0" err="1">
+                <a:hlinkClick r:id="rId3" action="ppaction://hlinkfile"/>
+              </a:rPr>
               <a:t>LwARTest_DetectFace</a:t>
             </a:r>
             <a:endParaRPr lang="de-DE" dirty="0"/>
+          </a:p>
+          <a:p>
+            <a:pPr lvl="1"/>
+            <a:r>
+              <a:rPr lang="de-DE" dirty="0"/>
+              <a:t>Demo zum Detektieren eines Gesichts</a:t>
+            </a:r>
+          </a:p>
+          <a:p>
+            <a:pPr lvl="1"/>
+            <a:r>
+              <a:rPr lang="de-DE" dirty="0"/>
+              <a:t>3D-Affenkopf wird auf das erkannte Gesicht bewegt</a:t>
+            </a:r>
           </a:p>
           <a:p>
             <a:pPr marL="0" indent="0">
@@ -16889,8 +16936,41 @@
           <a:lstStyle/>
           <a:p>
             <a:r>
+              <a:rPr lang="de-DE" dirty="0" err="1">
+                <a:hlinkClick r:id="rId3" action="ppaction://hlinkfile"/>
+              </a:rPr>
+              <a:t>LwARTest_DetectRedCircles</a:t>
+            </a:r>
+            <a:endParaRPr lang="de-DE" dirty="0"/>
+          </a:p>
+          <a:p>
+            <a:pPr lvl="1"/>
+            <a:r>
+              <a:rPr lang="de-DE" dirty="0"/>
+              <a:t>Erkennung von roten Kreisen mit Hilfe von </a:t>
+            </a:r>
+            <a:r>
               <a:rPr lang="de-DE" dirty="0" err="1"/>
-              <a:t>LwARTest_DetectRedCircles</a:t>
+              <a:t>OpenCV</a:t>
+            </a:r>
+            <a:r>
+              <a:rPr lang="de-DE" dirty="0"/>
+              <a:t> (</a:t>
+            </a:r>
+            <a:r>
+              <a:rPr lang="de-DE" dirty="0" err="1"/>
+              <a:t>HoughCircles</a:t>
+            </a:r>
+            <a:r>
+              <a:rPr lang="de-DE" dirty="0"/>
+              <a:t>)</a:t>
+            </a:r>
+          </a:p>
+          <a:p>
+            <a:pPr lvl="1"/>
+            <a:r>
+              <a:rPr lang="de-DE" dirty="0"/>
+              <a:t>Rendern eines rotierenden Würfels auf jedem erkannten Kreis</a:t>
             </a:r>
             <a:endParaRPr lang="de-DE" dirty="0"/>
           </a:p>
@@ -17050,8 +17130,22 @@
           <a:lstStyle/>
           <a:p>
             <a:r>
+              <a:rPr lang="de-DE" dirty="0" err="1">
+                <a:hlinkClick r:id="rId3" action="ppaction://hlinkfile"/>
+              </a:rPr>
+              <a:t>LwARTest_Marker</a:t>
+            </a:r>
+            <a:endParaRPr lang="de-DE" dirty="0"/>
+          </a:p>
+          <a:p>
+            <a:pPr lvl="1"/>
+            <a:r>
+              <a:rPr lang="de-DE" dirty="0"/>
+              <a:t>Marker Erkennung mit </a:t>
+            </a:r>
+            <a:r>
               <a:rPr lang="de-DE" dirty="0" err="1"/>
-              <a:t>LwARTest_Marker</a:t>
+              <a:t>Aruco</a:t>
             </a:r>
             <a:endParaRPr lang="de-DE" dirty="0"/>
           </a:p>
@@ -17695,7 +17789,7 @@
           <a:p>
             <a:r>
               <a:rPr lang="de-DE" dirty="0"/>
-              <a:t>Ausgangslage</a:t>
+              <a:t>Aufgabenbeschreibung</a:t>
             </a:r>
           </a:p>
           <a:p>
@@ -17883,7 +17977,7 @@
           <a:p>
             <a:r>
               <a:rPr lang="de-DE" dirty="0"/>
-              <a:t>Einfaches und kompaktes Framework für </a:t>
+              <a:t>Erstellung eines einfachen und kompakten Frameworks für </a:t>
             </a:r>
             <a:r>
               <a:rPr lang="de-DE" dirty="0" err="1"/>
@@ -18774,7 +18868,7 @@
             <a:pPr lvl="1"/>
             <a:r>
               <a:rPr lang="de-DE" dirty="0"/>
-              <a:t>Jede Szene hat ein Light, Farbe, Position und </a:t>
+              <a:t>Jede Szene hat ein Light, Farbe, Position und Lichtstärke</a:t>
             </a:r>
           </a:p>
           <a:p>
@@ -18986,7 +19080,6 @@
               <a:rPr lang="de-DE" dirty="0"/>
               <a:t>Basisklasse für alle 3D-Objekte der Szene</a:t>
             </a:r>
-            <a:endParaRPr lang="de-DE" dirty="0"/>
           </a:p>
           <a:p>
             <a:r>
@@ -20248,28 +20341,13 @@
           <a:p>
             <a:r>
               <a:rPr lang="de-DE" dirty="0"/>
-              <a:t>Ränder: (Width / </a:t>
-            </a:r>
-            <a:r>
-              <a:rPr lang="de-DE" dirty="0" err="1"/>
-              <a:t>Aspect</a:t>
-            </a:r>
-            <a:r>
-              <a:rPr lang="de-DE" dirty="0"/>
-              <a:t>, 1, 0)</a:t>
-            </a:r>
-          </a:p>
-          <a:p>
-            <a:r>
-              <a:rPr lang="de-DE" dirty="0"/>
-              <a:t>Kamera befindet sich bei (0,0,3)</a:t>
-            </a:r>
-          </a:p>
-          <a:p>
-            <a:r>
-              <a:rPr lang="de-DE" dirty="0"/>
-              <a:t>Hintergrund muss manuell aktualisiert werden</a:t>
-            </a:r>
+              <a:t>Kamera befindet sich bei (</a:t>
+            </a:r>
+            <a:r>
+              <a:rPr lang="de-DE"/>
+              <a:t>0,0,3)</a:t>
+            </a:r>
+            <a:endParaRPr lang="de-DE" dirty="0"/>
           </a:p>
         </p:txBody>
       </p:sp>
